--- a/documentation/Exposition.pptx
+++ b/documentation/Exposition.pptx
@@ -11,11 +11,7 @@
     <p:sldId id="259" r:id="rId5"/>
     <p:sldId id="260" r:id="rId6"/>
     <p:sldId id="261" r:id="rId7"/>
-    <p:sldId id="262" r:id="rId8"/>
-    <p:sldId id="263" r:id="rId9"/>
-    <p:sldId id="264" r:id="rId10"/>
-    <p:sldId id="265" r:id="rId11"/>
-    <p:sldId id="266" r:id="rId12"/>
+    <p:sldId id="266" r:id="rId8"/>
   </p:sldIdLst>
   <p:sldSz cx="12192000" cy="6858000"/>
   <p:notesSz cx="6858000" cy="9144000"/>
@@ -253,7 +249,7 @@
           <a:p>
             <a:fld id="{3D08EE77-4000-4F4A-A19B-16855A9ED7BD}" type="datetimeFigureOut">
               <a:rPr lang="es-ES" smtClean="0"/>
-              <a:t>07/12/2020</a:t>
+              <a:t>28/02/2021</a:t>
             </a:fld>
             <a:endParaRPr lang="es-ES"/>
           </a:p>
@@ -423,7 +419,7 @@
           <a:p>
             <a:fld id="{3D08EE77-4000-4F4A-A19B-16855A9ED7BD}" type="datetimeFigureOut">
               <a:rPr lang="es-ES" smtClean="0"/>
-              <a:t>07/12/2020</a:t>
+              <a:t>28/02/2021</a:t>
             </a:fld>
             <a:endParaRPr lang="es-ES"/>
           </a:p>
@@ -603,7 +599,7 @@
           <a:p>
             <a:fld id="{3D08EE77-4000-4F4A-A19B-16855A9ED7BD}" type="datetimeFigureOut">
               <a:rPr lang="es-ES" smtClean="0"/>
-              <a:t>07/12/2020</a:t>
+              <a:t>28/02/2021</a:t>
             </a:fld>
             <a:endParaRPr lang="es-ES"/>
           </a:p>
@@ -773,7 +769,7 @@
           <a:p>
             <a:fld id="{3D08EE77-4000-4F4A-A19B-16855A9ED7BD}" type="datetimeFigureOut">
               <a:rPr lang="es-ES" smtClean="0"/>
-              <a:t>07/12/2020</a:t>
+              <a:t>28/02/2021</a:t>
             </a:fld>
             <a:endParaRPr lang="es-ES"/>
           </a:p>
@@ -1019,7 +1015,7 @@
           <a:p>
             <a:fld id="{3D08EE77-4000-4F4A-A19B-16855A9ED7BD}" type="datetimeFigureOut">
               <a:rPr lang="es-ES" smtClean="0"/>
-              <a:t>07/12/2020</a:t>
+              <a:t>28/02/2021</a:t>
             </a:fld>
             <a:endParaRPr lang="es-ES"/>
           </a:p>
@@ -1251,7 +1247,7 @@
           <a:p>
             <a:fld id="{3D08EE77-4000-4F4A-A19B-16855A9ED7BD}" type="datetimeFigureOut">
               <a:rPr lang="es-ES" smtClean="0"/>
-              <a:t>07/12/2020</a:t>
+              <a:t>28/02/2021</a:t>
             </a:fld>
             <a:endParaRPr lang="es-ES"/>
           </a:p>
@@ -1618,7 +1614,7 @@
           <a:p>
             <a:fld id="{3D08EE77-4000-4F4A-A19B-16855A9ED7BD}" type="datetimeFigureOut">
               <a:rPr lang="es-ES" smtClean="0"/>
-              <a:t>07/12/2020</a:t>
+              <a:t>28/02/2021</a:t>
             </a:fld>
             <a:endParaRPr lang="es-ES"/>
           </a:p>
@@ -1736,7 +1732,7 @@
           <a:p>
             <a:fld id="{3D08EE77-4000-4F4A-A19B-16855A9ED7BD}" type="datetimeFigureOut">
               <a:rPr lang="es-ES" smtClean="0"/>
-              <a:t>07/12/2020</a:t>
+              <a:t>28/02/2021</a:t>
             </a:fld>
             <a:endParaRPr lang="es-ES"/>
           </a:p>
@@ -1831,7 +1827,7 @@
           <a:p>
             <a:fld id="{3D08EE77-4000-4F4A-A19B-16855A9ED7BD}" type="datetimeFigureOut">
               <a:rPr lang="es-ES" smtClean="0"/>
-              <a:t>07/12/2020</a:t>
+              <a:t>28/02/2021</a:t>
             </a:fld>
             <a:endParaRPr lang="es-ES"/>
           </a:p>
@@ -2108,7 +2104,7 @@
           <a:p>
             <a:fld id="{3D08EE77-4000-4F4A-A19B-16855A9ED7BD}" type="datetimeFigureOut">
               <a:rPr lang="es-ES" smtClean="0"/>
-              <a:t>07/12/2020</a:t>
+              <a:t>28/02/2021</a:t>
             </a:fld>
             <a:endParaRPr lang="es-ES"/>
           </a:p>
@@ -2361,7 +2357,7 @@
           <a:p>
             <a:fld id="{3D08EE77-4000-4F4A-A19B-16855A9ED7BD}" type="datetimeFigureOut">
               <a:rPr lang="es-ES" smtClean="0"/>
-              <a:t>07/12/2020</a:t>
+              <a:t>28/02/2021</a:t>
             </a:fld>
             <a:endParaRPr lang="es-ES"/>
           </a:p>
@@ -2574,7 +2570,7 @@
           <a:p>
             <a:fld id="{3D08EE77-4000-4F4A-A19B-16855A9ED7BD}" type="datetimeFigureOut">
               <a:rPr lang="es-ES" smtClean="0"/>
-              <a:t>07/12/2020</a:t>
+              <a:t>28/02/2021</a:t>
             </a:fld>
             <a:endParaRPr lang="es-ES"/>
           </a:p>
@@ -3109,111 +3105,28 @@
               <a:buChar char="-"/>
             </a:pPr>
             <a:r>
-              <a:rPr lang="es-ES" sz="2400" b="0" strike="noStrike" spc="-1" dirty="0" err="1">
-                <a:solidFill>
-                  <a:srgbClr val="000000"/>
-                </a:solidFill>
-                <a:latin typeface="Calibri"/>
-                <a:ea typeface="Calibri"/>
+              <a:rPr lang="es-ES" sz="2400" b="0" strike="noStrike" spc="-1" dirty="0" err="1" smtClean="0">
+                <a:latin typeface="Arial"/>
               </a:rPr>
-              <a:t>Requirements</a:t>
-            </a:r>
-            <a:r>
-              <a:rPr lang="es-ES" sz="2400" b="0" strike="noStrike" spc="-1" dirty="0">
-                <a:solidFill>
-                  <a:srgbClr val="000000"/>
-                </a:solidFill>
-                <a:latin typeface="Calibri"/>
-                <a:ea typeface="Calibri"/>
+              <a:t>Controler</a:t>
+            </a:r>
+            <a:r>
+              <a:rPr lang="es-ES" sz="2400" b="0" strike="noStrike" spc="-1" dirty="0" smtClean="0">
+                <a:latin typeface="Arial"/>
               </a:rPr>
-              <a:t> </a:t>
-            </a:r>
-            <a:r>
-              <a:rPr lang="es-ES" sz="2400" b="0" strike="noStrike" spc="-1" dirty="0" err="1">
-                <a:solidFill>
-                  <a:srgbClr val="000000"/>
-                </a:solidFill>
-                <a:latin typeface="Calibri"/>
-                <a:ea typeface="Calibri"/>
-              </a:rPr>
-              <a:t>specification</a:t>
-            </a:r>
-            <a:r>
-              <a:rPr lang="es-ES" sz="2400" b="0" strike="noStrike" spc="-1" dirty="0">
-                <a:solidFill>
-                  <a:srgbClr val="000000"/>
-                </a:solidFill>
-                <a:latin typeface="Calibri"/>
-                <a:ea typeface="Calibri"/>
-              </a:rPr>
-              <a:t>.</a:t>
-            </a:r>
-            <a:endParaRPr lang="es-ES" sz="2400" b="0" strike="noStrike" spc="-1" dirty="0">
-              <a:latin typeface="Arial"/>
-            </a:endParaRPr>
-          </a:p>
-          <a:p>
-            <a:pPr marL="457200">
-              <a:lnSpc>
-                <a:spcPct val="107000"/>
-              </a:lnSpc>
-            </a:pPr>
-            <a:endParaRPr lang="es-ES" sz="2400" b="0" strike="noStrike" spc="-1" dirty="0">
-              <a:latin typeface="Arial"/>
-            </a:endParaRPr>
-          </a:p>
-          <a:p>
-            <a:pPr marL="457200" indent="-380160">
+              <a:t> Folder</a:t>
+            </a:r>
+          </a:p>
+          <a:p>
+            <a:pPr marL="720">
               <a:lnSpc>
                 <a:spcPct val="107000"/>
               </a:lnSpc>
               <a:buClr>
                 <a:srgbClr val="000000"/>
               </a:buClr>
-              <a:buFont typeface="Calibri"/>
-              <a:buChar char="-"/>
             </a:pPr>
-            <a:r>
-              <a:rPr lang="es-ES" sz="2400" b="0" strike="noStrike" spc="-1" dirty="0" err="1">
-                <a:solidFill>
-                  <a:srgbClr val="000000"/>
-                </a:solidFill>
-                <a:latin typeface="Calibri"/>
-                <a:ea typeface="Calibri"/>
-              </a:rPr>
-              <a:t>Screen</a:t>
-            </a:r>
-            <a:r>
-              <a:rPr lang="es-ES" sz="2400" b="0" strike="noStrike" spc="-1" dirty="0">
-                <a:solidFill>
-                  <a:srgbClr val="000000"/>
-                </a:solidFill>
-                <a:latin typeface="Calibri"/>
-                <a:ea typeface="Calibri"/>
-              </a:rPr>
-              <a:t> </a:t>
-            </a:r>
-            <a:r>
-              <a:rPr lang="es-ES" sz="2400" b="0" strike="noStrike" spc="-1" dirty="0" err="1">
-                <a:solidFill>
-                  <a:srgbClr val="000000"/>
-                </a:solidFill>
-                <a:latin typeface="Calibri"/>
-                <a:ea typeface="Calibri"/>
-              </a:rPr>
-              <a:t>map</a:t>
-            </a:r>
-            <a:endParaRPr lang="es-ES" sz="2400" b="0" strike="noStrike" spc="-1" dirty="0">
-              <a:latin typeface="Arial"/>
-            </a:endParaRPr>
-          </a:p>
-          <a:p>
-            <a:pPr>
-              <a:lnSpc>
-                <a:spcPct val="107000"/>
-              </a:lnSpc>
-            </a:pPr>
-            <a:endParaRPr lang="es-ES" sz="2400" b="0" strike="noStrike" spc="-1" dirty="0">
+            <a:endParaRPr lang="es-ES" sz="2400" b="0" strike="noStrike" spc="-1" dirty="0" smtClean="0">
               <a:latin typeface="Arial"/>
             </a:endParaRPr>
           </a:p>
@@ -3229,36 +3142,22 @@
               <a:buChar char="-"/>
             </a:pPr>
             <a:r>
-              <a:rPr lang="es-ES" sz="2400" b="0" strike="noStrike" spc="-1" dirty="0">
-                <a:solidFill>
-                  <a:srgbClr val="000000"/>
-                </a:solidFill>
-                <a:latin typeface="Calibri"/>
-                <a:ea typeface="Calibri"/>
+              <a:rPr lang="es-ES" sz="2400" spc="-1" dirty="0" smtClean="0">
+                <a:latin typeface="Arial"/>
               </a:rPr>
-              <a:t>E / R </a:t>
-            </a:r>
-            <a:r>
-              <a:rPr lang="es-ES" sz="2400" b="0" strike="noStrike" spc="-1" dirty="0" err="1">
-                <a:solidFill>
-                  <a:srgbClr val="000000"/>
-                </a:solidFill>
-                <a:latin typeface="Calibri"/>
-                <a:ea typeface="Calibri"/>
-              </a:rPr>
-              <a:t>scheme</a:t>
-            </a:r>
-            <a:endParaRPr lang="es-ES" sz="2400" b="0" strike="noStrike" spc="-1" dirty="0">
-              <a:latin typeface="Arial"/>
-            </a:endParaRPr>
-          </a:p>
-          <a:p>
-            <a:pPr>
+              <a:t>Security File</a:t>
+            </a:r>
+          </a:p>
+          <a:p>
+            <a:pPr marL="720">
               <a:lnSpc>
                 <a:spcPct val="107000"/>
               </a:lnSpc>
+              <a:buClr>
+                <a:srgbClr val="000000"/>
+              </a:buClr>
             </a:pPr>
-            <a:endParaRPr lang="es-ES" sz="2400" b="0" strike="noStrike" spc="-1" dirty="0">
+            <a:endParaRPr lang="es-ES" sz="2400" spc="-1" dirty="0" smtClean="0">
               <a:latin typeface="Arial"/>
             </a:endParaRPr>
           </a:p>
@@ -3274,96 +3173,28 @@
               <a:buChar char="-"/>
             </a:pPr>
             <a:r>
-              <a:rPr lang="es-ES" sz="2400" b="0" strike="noStrike" spc="-1" dirty="0" err="1">
-                <a:solidFill>
-                  <a:srgbClr val="000000"/>
-                </a:solidFill>
-                <a:latin typeface="Calibri"/>
-                <a:ea typeface="Calibri"/>
+              <a:rPr lang="es-ES" sz="2400" b="0" strike="noStrike" spc="-1" dirty="0" err="1" smtClean="0">
+                <a:latin typeface="Arial"/>
               </a:rPr>
-              <a:t>Logical</a:t>
-            </a:r>
-            <a:r>
-              <a:rPr lang="es-ES" sz="2400" b="0" strike="noStrike" spc="-1" dirty="0">
-                <a:solidFill>
-                  <a:srgbClr val="000000"/>
-                </a:solidFill>
-                <a:latin typeface="Calibri"/>
-                <a:ea typeface="Calibri"/>
+              <a:t>Public</a:t>
+            </a:r>
+            <a:r>
+              <a:rPr lang="es-ES" sz="2400" b="0" strike="noStrike" spc="-1" dirty="0" smtClean="0">
+                <a:latin typeface="Arial"/>
               </a:rPr>
-              <a:t> </a:t>
-            </a:r>
-            <a:r>
-              <a:rPr lang="es-ES" sz="2400" b="0" strike="noStrike" spc="-1" dirty="0" err="1">
-                <a:solidFill>
-                  <a:srgbClr val="000000"/>
-                </a:solidFill>
-                <a:latin typeface="Calibri"/>
-                <a:ea typeface="Calibri"/>
-              </a:rPr>
-              <a:t>model</a:t>
-            </a:r>
-            <a:r>
-              <a:rPr lang="es-ES" sz="2400" b="0" strike="noStrike" spc="-1" dirty="0">
-                <a:solidFill>
-                  <a:srgbClr val="000000"/>
-                </a:solidFill>
-                <a:latin typeface="Calibri"/>
-                <a:ea typeface="Calibri"/>
-              </a:rPr>
-              <a:t> of </a:t>
-            </a:r>
-            <a:r>
-              <a:rPr lang="es-ES" sz="2400" b="0" strike="noStrike" spc="-1" dirty="0" err="1">
-                <a:solidFill>
-                  <a:srgbClr val="000000"/>
-                </a:solidFill>
-                <a:latin typeface="Calibri"/>
-                <a:ea typeface="Calibri"/>
-              </a:rPr>
-              <a:t>the</a:t>
-            </a:r>
-            <a:r>
-              <a:rPr lang="es-ES" sz="2400" b="0" strike="noStrike" spc="-1" dirty="0">
-                <a:solidFill>
-                  <a:srgbClr val="000000"/>
-                </a:solidFill>
-                <a:latin typeface="Calibri"/>
-                <a:ea typeface="Calibri"/>
-              </a:rPr>
-              <a:t> </a:t>
-            </a:r>
-            <a:r>
-              <a:rPr lang="es-ES" sz="2400" b="0" strike="noStrike" spc="-1" dirty="0" err="1">
-                <a:solidFill>
-                  <a:srgbClr val="000000"/>
-                </a:solidFill>
-                <a:latin typeface="Calibri"/>
-                <a:ea typeface="Calibri"/>
-              </a:rPr>
-              <a:t>database</a:t>
-            </a:r>
-            <a:r>
-              <a:rPr lang="es-ES" sz="2400" b="0" strike="noStrike" spc="-1" dirty="0">
-                <a:solidFill>
-                  <a:srgbClr val="000000"/>
-                </a:solidFill>
-                <a:latin typeface="Calibri"/>
-                <a:ea typeface="Calibri"/>
-              </a:rPr>
-              <a:t>.</a:t>
-            </a:r>
-            <a:endParaRPr lang="es-ES" sz="2400" b="0" strike="noStrike" spc="-1" dirty="0">
-              <a:latin typeface="Arial"/>
-            </a:endParaRPr>
-          </a:p>
-          <a:p>
-            <a:pPr>
+              <a:t> Folder</a:t>
+            </a:r>
+          </a:p>
+          <a:p>
+            <a:pPr marL="720">
               <a:lnSpc>
                 <a:spcPct val="107000"/>
               </a:lnSpc>
+              <a:buClr>
+                <a:srgbClr val="000000"/>
+              </a:buClr>
             </a:pPr>
-            <a:endParaRPr lang="es-ES" sz="2400" b="0" strike="noStrike" spc="-1" dirty="0">
+            <a:endParaRPr lang="es-ES" sz="2400" b="0" strike="noStrike" spc="-1" dirty="0" smtClean="0">
               <a:latin typeface="Arial"/>
             </a:endParaRPr>
           </a:p>
@@ -3379,46 +3210,43 @@
               <a:buChar char="-"/>
             </a:pPr>
             <a:r>
-              <a:rPr lang="es-ES" sz="2400" b="0" strike="noStrike" spc="-1" dirty="0" err="1">
-                <a:solidFill>
-                  <a:srgbClr val="000000"/>
-                </a:solidFill>
-                <a:latin typeface="Calibri"/>
-                <a:ea typeface="Calibri"/>
+              <a:rPr lang="es-ES" sz="2400" spc="-1" dirty="0" err="1" smtClean="0">
+                <a:latin typeface="Arial"/>
               </a:rPr>
-              <a:t>Summary</a:t>
-            </a:r>
-            <a:r>
-              <a:rPr lang="es-ES" sz="2400" b="0" strike="noStrike" spc="-1" dirty="0">
-                <a:solidFill>
-                  <a:srgbClr val="000000"/>
-                </a:solidFill>
-                <a:latin typeface="Calibri"/>
-                <a:ea typeface="Calibri"/>
+              <a:t>Main</a:t>
+            </a:r>
+            <a:r>
+              <a:rPr lang="es-ES" sz="2400" spc="-1" dirty="0" smtClean="0">
+                <a:latin typeface="Arial"/>
               </a:rPr>
               <a:t> </a:t>
             </a:r>
             <a:r>
-              <a:rPr lang="es-ES" sz="2400" b="0" strike="noStrike" spc="-1" dirty="0" err="1">
-                <a:solidFill>
-                  <a:srgbClr val="000000"/>
-                </a:solidFill>
-                <a:latin typeface="Calibri"/>
-                <a:ea typeface="Calibri"/>
+              <a:rPr lang="es-ES" sz="2400" spc="-1" dirty="0" err="1" smtClean="0">
+                <a:latin typeface="Arial"/>
               </a:rPr>
-              <a:t>table</a:t>
-            </a:r>
-            <a:endParaRPr lang="es-ES" sz="2400" b="0" strike="noStrike" spc="-1" dirty="0">
+              <a:t>C</a:t>
+            </a:r>
+            <a:r>
+              <a:rPr lang="es-ES" sz="2400" spc="-1" dirty="0" err="1" smtClean="0">
+                <a:latin typeface="Arial"/>
+              </a:rPr>
+              <a:t>ontroler</a:t>
+            </a:r>
+            <a:endParaRPr lang="es-ES" sz="2400" spc="-1" dirty="0" smtClean="0">
               <a:latin typeface="Arial"/>
             </a:endParaRPr>
           </a:p>
           <a:p>
-            <a:pPr>
+            <a:pPr marL="720">
               <a:lnSpc>
                 <a:spcPct val="107000"/>
               </a:lnSpc>
+              <a:buClr>
+                <a:srgbClr val="000000"/>
+              </a:buClr>
             </a:pPr>
-            <a:endParaRPr lang="es-ES" sz="2400" b="0" strike="noStrike" spc="-1" dirty="0">
+            <a:endParaRPr lang="es-ES" sz="2400" spc="-1" dirty="0" smtClean="0">
               <a:latin typeface="Arial"/>
             </a:endParaRPr>
           </a:p>
@@ -3434,124 +3262,10 @@
               <a:buChar char="-"/>
             </a:pPr>
             <a:r>
-              <a:rPr lang="es-ES" sz="2400" b="0" strike="noStrike" spc="-1" dirty="0">
-                <a:solidFill>
-                  <a:srgbClr val="000000"/>
-                </a:solidFill>
-                <a:latin typeface="Calibri"/>
-                <a:ea typeface="Calibri"/>
+              <a:rPr lang="es-ES" sz="2400" b="0" strike="noStrike" spc="-1" dirty="0" err="1" smtClean="0">
+                <a:latin typeface="Arial"/>
               </a:rPr>
-              <a:t>A </a:t>
-            </a:r>
-            <a:r>
-              <a:rPr lang="es-ES" sz="2400" b="0" strike="noStrike" spc="-1" dirty="0" err="1">
-                <a:solidFill>
-                  <a:srgbClr val="000000"/>
-                </a:solidFill>
-                <a:latin typeface="Calibri"/>
-                <a:ea typeface="Calibri"/>
-              </a:rPr>
-              <a:t>description</a:t>
-            </a:r>
-            <a:r>
-              <a:rPr lang="es-ES" sz="2400" b="0" strike="noStrike" spc="-1" dirty="0">
-                <a:solidFill>
-                  <a:srgbClr val="000000"/>
-                </a:solidFill>
-                <a:latin typeface="Calibri"/>
-                <a:ea typeface="Calibri"/>
-              </a:rPr>
-              <a:t> of </a:t>
-            </a:r>
-            <a:r>
-              <a:rPr lang="es-ES" sz="2400" b="0" strike="noStrike" spc="-1" dirty="0" err="1">
-                <a:solidFill>
-                  <a:srgbClr val="000000"/>
-                </a:solidFill>
-                <a:latin typeface="Calibri"/>
-                <a:ea typeface="Calibri"/>
-              </a:rPr>
-              <a:t>the</a:t>
-            </a:r>
-            <a:r>
-              <a:rPr lang="es-ES" sz="2400" b="0" strike="noStrike" spc="-1" dirty="0">
-                <a:solidFill>
-                  <a:srgbClr val="000000"/>
-                </a:solidFill>
-                <a:latin typeface="Calibri"/>
-                <a:ea typeface="Calibri"/>
-              </a:rPr>
-              <a:t> data </a:t>
-            </a:r>
-            <a:r>
-              <a:rPr lang="es-ES" sz="2400" b="0" strike="noStrike" spc="-1" dirty="0" err="1">
-                <a:solidFill>
-                  <a:srgbClr val="000000"/>
-                </a:solidFill>
-                <a:latin typeface="Calibri"/>
-                <a:ea typeface="Calibri"/>
-              </a:rPr>
-              <a:t>loaded</a:t>
-            </a:r>
-            <a:r>
-              <a:rPr lang="es-ES" sz="2400" b="0" strike="noStrike" spc="-1" dirty="0">
-                <a:solidFill>
-                  <a:srgbClr val="000000"/>
-                </a:solidFill>
-                <a:latin typeface="Calibri"/>
-                <a:ea typeface="Calibri"/>
-              </a:rPr>
-              <a:t> </a:t>
-            </a:r>
-            <a:r>
-              <a:rPr lang="es-ES" sz="2400" b="0" strike="noStrike" spc="-1" dirty="0" err="1">
-                <a:solidFill>
-                  <a:srgbClr val="000000"/>
-                </a:solidFill>
-                <a:latin typeface="Calibri"/>
-                <a:ea typeface="Calibri"/>
-              </a:rPr>
-              <a:t>into</a:t>
-            </a:r>
-            <a:r>
-              <a:rPr lang="es-ES" sz="2400" b="0" strike="noStrike" spc="-1" dirty="0">
-                <a:solidFill>
-                  <a:srgbClr val="000000"/>
-                </a:solidFill>
-                <a:latin typeface="Calibri"/>
-                <a:ea typeface="Calibri"/>
-              </a:rPr>
-              <a:t> </a:t>
-            </a:r>
-            <a:r>
-              <a:rPr lang="es-ES" sz="2400" b="0" strike="noStrike" spc="-1" dirty="0" err="1">
-                <a:solidFill>
-                  <a:srgbClr val="000000"/>
-                </a:solidFill>
-                <a:latin typeface="Calibri"/>
-                <a:ea typeface="Calibri"/>
-              </a:rPr>
-              <a:t>the</a:t>
-            </a:r>
-            <a:r>
-              <a:rPr lang="es-ES" sz="2400" b="0" strike="noStrike" spc="-1" dirty="0">
-                <a:solidFill>
-                  <a:srgbClr val="000000"/>
-                </a:solidFill>
-                <a:latin typeface="Calibri"/>
-                <a:ea typeface="Calibri"/>
-              </a:rPr>
-              <a:t> </a:t>
-            </a:r>
-            <a:r>
-              <a:rPr lang="es-ES" sz="2400" b="0" strike="noStrike" spc="-1" dirty="0" err="1">
-                <a:solidFill>
-                  <a:srgbClr val="000000"/>
-                </a:solidFill>
-                <a:latin typeface="Calibri"/>
-                <a:ea typeface="Calibri"/>
-              </a:rPr>
-              <a:t>database</a:t>
+              <a:t>Index.html.twig</a:t>
             </a:r>
             <a:endParaRPr lang="es-ES" sz="2400" b="0" strike="noStrike" spc="-1" dirty="0">
               <a:latin typeface="Arial"/>
@@ -3586,325 +3300,6 @@
     <p:extLst>
       <p:ext uri="{BB962C8B-B14F-4D97-AF65-F5344CB8AC3E}">
         <p14:creationId xmlns:p14="http://schemas.microsoft.com/office/powerpoint/2010/main" val="3336135692"/>
-      </p:ext>
-    </p:extLst>
-  </p:cSld>
-  <p:clrMapOvr>
-    <a:masterClrMapping/>
-  </p:clrMapOvr>
-  <p:timing>
-    <p:tnLst>
-      <p:par>
-        <p:cTn id="1" dur="indefinite" restart="never" nodeType="tmRoot"/>
-      </p:par>
-    </p:tnLst>
-  </p:timing>
-</p:sld>
-</file>
-
-<file path=ppt/slides/slide10.xml><?xml version="1.0" encoding="utf-8"?>
-<p:sld xmlns:a="http://schemas.openxmlformats.org/drawingml/2006/main" xmlns:r="http://schemas.openxmlformats.org/officeDocument/2006/relationships" xmlns:p="http://schemas.openxmlformats.org/presentationml/2006/main">
-  <p:cSld>
-    <p:bg>
-      <p:bgPr>
-        <a:gradFill flip="none" rotWithShape="1">
-          <a:gsLst>
-            <a:gs pos="0">
-              <a:schemeClr val="tx2">
-                <a:lumMod val="75000"/>
-              </a:schemeClr>
-            </a:gs>
-            <a:gs pos="50000">
-              <a:schemeClr val="tx2">
-                <a:lumMod val="75000"/>
-              </a:schemeClr>
-            </a:gs>
-            <a:gs pos="50000">
-              <a:srgbClr val="E8E8E8"/>
-            </a:gs>
-          </a:gsLst>
-          <a:lin ang="0" scaled="1"/>
-          <a:tileRect/>
-        </a:gradFill>
-        <a:effectLst/>
-      </p:bgPr>
-    </p:bg>
-    <p:spTree>
-      <p:nvGrpSpPr>
-        <p:cNvPr id="1" name=""/>
-        <p:cNvGrpSpPr/>
-        <p:nvPr/>
-      </p:nvGrpSpPr>
-      <p:grpSpPr>
-        <a:xfrm>
-          <a:off x="0" y="0"/>
-          <a:ext cx="0" cy="0"/>
-          <a:chOff x="0" y="0"/>
-          <a:chExt cx="0" cy="0"/>
-        </a:xfrm>
-      </p:grpSpPr>
-      <p:sp>
-        <p:nvSpPr>
-          <p:cNvPr id="2" name="CustomShape 1"/>
-          <p:cNvSpPr/>
-          <p:nvPr/>
-        </p:nvSpPr>
-        <p:spPr>
-          <a:xfrm>
-            <a:off x="0" y="132840"/>
-            <a:ext cx="6090840" cy="1445760"/>
-          </a:xfrm>
-          <a:prstGeom prst="rect">
-            <a:avLst/>
-          </a:prstGeom>
-          <a:noFill/>
-          <a:ln>
-            <a:noFill/>
-          </a:ln>
-        </p:spPr>
-        <p:style>
-          <a:lnRef idx="0">
-            <a:scrgbClr r="0" g="0" b="0"/>
-          </a:lnRef>
-          <a:fillRef idx="0">
-            <a:scrgbClr r="0" g="0" b="0"/>
-          </a:fillRef>
-          <a:effectRef idx="0">
-            <a:scrgbClr r="0" g="0" b="0"/>
-          </a:effectRef>
-          <a:fontRef idx="minor"/>
-        </p:style>
-        <p:txBody>
-          <a:bodyPr lIns="90000" tIns="45000" rIns="90000" bIns="45000">
-            <a:noAutofit/>
-          </a:bodyPr>
-          <a:lstStyle/>
-          <a:p>
-            <a:pPr algn="ctr">
-              <a:lnSpc>
-                <a:spcPct val="100000"/>
-              </a:lnSpc>
-            </a:pPr>
-            <a:r>
-              <a:rPr lang="es-ES" sz="6000" b="0" strike="noStrike" spc="-1">
-                <a:solidFill>
-                  <a:srgbClr val="E8E8E8"/>
-                </a:solidFill>
-                <a:latin typeface="Calibri"/>
-                <a:ea typeface="Calibri"/>
-              </a:rPr>
-              <a:t>Message Table</a:t>
-            </a:r>
-            <a:endParaRPr lang="es-ES" sz="6000" b="0" strike="noStrike" spc="-1">
-              <a:latin typeface="Arial"/>
-            </a:endParaRPr>
-          </a:p>
-        </p:txBody>
-      </p:sp>
-      <p:pic>
-        <p:nvPicPr>
-          <p:cNvPr id="3" name="Google Shape;146;p23"/>
-          <p:cNvPicPr/>
-          <p:nvPr/>
-        </p:nvPicPr>
-        <p:blipFill>
-          <a:blip r:embed="rId2"/>
-          <a:stretch/>
-        </p:blipFill>
-        <p:spPr>
-          <a:xfrm>
-            <a:off x="2440914" y="1345518"/>
-            <a:ext cx="7299851" cy="5345900"/>
-          </a:xfrm>
-          <a:prstGeom prst="rect">
-            <a:avLst/>
-          </a:prstGeom>
-          <a:ln>
-            <a:noFill/>
-          </a:ln>
-        </p:spPr>
-      </p:pic>
-    </p:spTree>
-    <p:extLst>
-      <p:ext uri="{BB962C8B-B14F-4D97-AF65-F5344CB8AC3E}">
-        <p14:creationId xmlns:p14="http://schemas.microsoft.com/office/powerpoint/2010/main" val="3771867586"/>
-      </p:ext>
-    </p:extLst>
-  </p:cSld>
-  <p:clrMapOvr>
-    <a:masterClrMapping/>
-  </p:clrMapOvr>
-  <p:timing>
-    <p:tnLst>
-      <p:par>
-        <p:cTn id="1" dur="indefinite" restart="never" nodeType="tmRoot"/>
-      </p:par>
-    </p:tnLst>
-  </p:timing>
-</p:sld>
-</file>
-
-<file path=ppt/slides/slide11.xml><?xml version="1.0" encoding="utf-8"?>
-<p:sld xmlns:a="http://schemas.openxmlformats.org/drawingml/2006/main" xmlns:r="http://schemas.openxmlformats.org/officeDocument/2006/relationships" xmlns:p="http://schemas.openxmlformats.org/presentationml/2006/main">
-  <p:cSld>
-    <p:bg>
-      <p:bgPr>
-        <a:gradFill flip="none" rotWithShape="1">
-          <a:gsLst>
-            <a:gs pos="0">
-              <a:schemeClr val="tx2">
-                <a:lumMod val="75000"/>
-              </a:schemeClr>
-            </a:gs>
-            <a:gs pos="50000">
-              <a:schemeClr val="tx2">
-                <a:lumMod val="75000"/>
-              </a:schemeClr>
-            </a:gs>
-            <a:gs pos="50000">
-              <a:srgbClr val="E8E8E8"/>
-            </a:gs>
-          </a:gsLst>
-          <a:lin ang="0" scaled="1"/>
-          <a:tileRect/>
-        </a:gradFill>
-        <a:effectLst/>
-      </p:bgPr>
-    </p:bg>
-    <p:spTree>
-      <p:nvGrpSpPr>
-        <p:cNvPr id="1" name=""/>
-        <p:cNvGrpSpPr/>
-        <p:nvPr/>
-      </p:nvGrpSpPr>
-      <p:grpSpPr>
-        <a:xfrm>
-          <a:off x="0" y="0"/>
-          <a:ext cx="0" cy="0"/>
-          <a:chOff x="0" y="0"/>
-          <a:chExt cx="0" cy="0"/>
-        </a:xfrm>
-      </p:grpSpPr>
-      <p:sp>
-        <p:nvSpPr>
-          <p:cNvPr id="2" name="CustomShape 1"/>
-          <p:cNvSpPr/>
-          <p:nvPr/>
-        </p:nvSpPr>
-        <p:spPr>
-          <a:xfrm>
-            <a:off x="0" y="2303280"/>
-            <a:ext cx="6090840" cy="1322640"/>
-          </a:xfrm>
-          <a:prstGeom prst="rect">
-            <a:avLst/>
-          </a:prstGeom>
-          <a:noFill/>
-          <a:ln>
-            <a:noFill/>
-          </a:ln>
-        </p:spPr>
-        <p:style>
-          <a:lnRef idx="0">
-            <a:scrgbClr r="0" g="0" b="0"/>
-          </a:lnRef>
-          <a:fillRef idx="0">
-            <a:scrgbClr r="0" g="0" b="0"/>
-          </a:fillRef>
-          <a:effectRef idx="0">
-            <a:scrgbClr r="0" g="0" b="0"/>
-          </a:effectRef>
-          <a:fontRef idx="minor"/>
-        </p:style>
-        <p:txBody>
-          <a:bodyPr lIns="90000" tIns="45000" rIns="90000" bIns="45000">
-            <a:noAutofit/>
-          </a:bodyPr>
-          <a:lstStyle/>
-          <a:p>
-            <a:pPr algn="ctr">
-              <a:lnSpc>
-                <a:spcPct val="100000"/>
-              </a:lnSpc>
-            </a:pPr>
-            <a:r>
-              <a:rPr lang="es-ES" sz="8000" b="0" strike="noStrike" spc="-1" dirty="0">
-                <a:solidFill>
-                  <a:srgbClr val="E8E8E8"/>
-                </a:solidFill>
-                <a:latin typeface="Calibri"/>
-                <a:ea typeface="Calibri"/>
-              </a:rPr>
-              <a:t>DEMO</a:t>
-            </a:r>
-            <a:endParaRPr lang="es-ES" sz="8000" b="0" strike="noStrike" spc="-1" dirty="0">
-              <a:latin typeface="Arial"/>
-            </a:endParaRPr>
-          </a:p>
-        </p:txBody>
-      </p:sp>
-      <p:sp>
-        <p:nvSpPr>
-          <p:cNvPr id="3" name="CustomShape 2"/>
-          <p:cNvSpPr/>
-          <p:nvPr/>
-        </p:nvSpPr>
-        <p:spPr>
-          <a:xfrm>
-            <a:off x="6091560" y="2303640"/>
-            <a:ext cx="6090840" cy="1322640"/>
-          </a:xfrm>
-          <a:prstGeom prst="rect">
-            <a:avLst/>
-          </a:prstGeom>
-          <a:noFill/>
-          <a:ln>
-            <a:noFill/>
-          </a:ln>
-        </p:spPr>
-        <p:style>
-          <a:lnRef idx="0">
-            <a:scrgbClr r="0" g="0" b="0"/>
-          </a:lnRef>
-          <a:fillRef idx="0">
-            <a:scrgbClr r="0" g="0" b="0"/>
-          </a:fillRef>
-          <a:effectRef idx="0">
-            <a:scrgbClr r="0" g="0" b="0"/>
-          </a:effectRef>
-          <a:fontRef idx="minor"/>
-        </p:style>
-        <p:txBody>
-          <a:bodyPr lIns="90000" tIns="45000" rIns="90000" bIns="45000">
-            <a:noAutofit/>
-          </a:bodyPr>
-          <a:lstStyle/>
-          <a:p>
-            <a:pPr algn="ctr">
-              <a:lnSpc>
-                <a:spcPct val="100000"/>
-              </a:lnSpc>
-            </a:pPr>
-            <a:r>
-              <a:rPr lang="es-ES" sz="8000" b="0" strike="noStrike" spc="-1">
-                <a:solidFill>
-                  <a:srgbClr val="000000"/>
-                </a:solidFill>
-                <a:latin typeface="Calibri"/>
-                <a:ea typeface="Calibri"/>
-              </a:rPr>
-              <a:t>DANIEL</a:t>
-            </a:r>
-            <a:endParaRPr lang="es-ES" sz="8000" b="0" strike="noStrike" spc="-1">
-              <a:latin typeface="Arial"/>
-            </a:endParaRPr>
-          </a:p>
-        </p:txBody>
-      </p:sp>
-    </p:spTree>
-    <p:extLst>
-      <p:ext uri="{BB962C8B-B14F-4D97-AF65-F5344CB8AC3E}">
-        <p14:creationId xmlns:p14="http://schemas.microsoft.com/office/powerpoint/2010/main" val="366298873"/>
       </p:ext>
     </p:extLst>
   </p:cSld>
@@ -4005,1463 +3400,74 @@
               </a:lnSpc>
             </a:pPr>
             <a:r>
-              <a:rPr lang="es-ES" sz="6600" b="0" strike="noStrike" spc="-1">
+              <a:rPr lang="es-ES" sz="6600" b="0" strike="noStrike" spc="-1" dirty="0" err="1" smtClean="0">
                 <a:solidFill>
                   <a:srgbClr val="E8E8E8"/>
                 </a:solidFill>
                 <a:latin typeface="Calibri"/>
                 <a:ea typeface="Calibri"/>
               </a:rPr>
-              <a:t>Requirements Specifications</a:t>
-            </a:r>
-            <a:endParaRPr lang="es-ES" sz="6600" b="0" strike="noStrike" spc="-1">
+              <a:t>Controler</a:t>
+            </a:r>
+            <a:endParaRPr lang="es-ES" sz="6600" b="0" strike="noStrike" spc="-1" dirty="0" smtClean="0">
+              <a:solidFill>
+                <a:srgbClr val="E8E8E8"/>
+              </a:solidFill>
+              <a:latin typeface="Calibri"/>
+              <a:ea typeface="Calibri"/>
+            </a:endParaRPr>
+          </a:p>
+          <a:p>
+            <a:pPr algn="ctr">
+              <a:lnSpc>
+                <a:spcPct val="100000"/>
+              </a:lnSpc>
+            </a:pPr>
+            <a:r>
+              <a:rPr lang="es-ES" sz="6600" spc="-1" dirty="0" smtClean="0">
+                <a:solidFill>
+                  <a:srgbClr val="E8E8E8"/>
+                </a:solidFill>
+                <a:latin typeface="Calibri"/>
+              </a:rPr>
+              <a:t>Folder</a:t>
+            </a:r>
+            <a:endParaRPr lang="es-ES" sz="6600" b="0" strike="noStrike" spc="-1" dirty="0">
               <a:latin typeface="Arial"/>
             </a:endParaRPr>
           </a:p>
         </p:txBody>
       </p:sp>
-      <p:graphicFrame>
-        <p:nvGraphicFramePr>
-          <p:cNvPr id="3" name="Table 2"/>
-          <p:cNvGraphicFramePr/>
+      <p:pic>
+        <p:nvPicPr>
+          <p:cNvPr id="5" name="Imagen 4"/>
+          <p:cNvPicPr>
+            <a:picLocks noChangeAspect="1"/>
+          </p:cNvPicPr>
           <p:nvPr/>
-        </p:nvGraphicFramePr>
-        <p:xfrm>
-          <a:off x="6599880" y="524160"/>
-          <a:ext cx="5366880" cy="5770800"/>
-        </p:xfrm>
-        <a:graphic>
-          <a:graphicData uri="http://schemas.openxmlformats.org/drawingml/2006/table">
-            <a:tbl>
-              <a:tblPr/>
-              <a:tblGrid>
-                <a:gridCol w="3462480"/>
-                <a:gridCol w="1904400"/>
-              </a:tblGrid>
-              <a:tr h="412200">
-                <a:tc>
-                  <a:txBody>
-                    <a:bodyPr/>
-                    <a:lstStyle/>
-                    <a:p>
-                      <a:pPr algn="ctr">
-                        <a:lnSpc>
-                          <a:spcPct val="115000"/>
-                        </a:lnSpc>
-                      </a:pPr>
-                      <a:r>
-                        <a:rPr lang="es-ES" sz="1400" b="0" strike="noStrike" spc="-1" dirty="0">
-                          <a:solidFill>
-                            <a:srgbClr val="000000"/>
-                          </a:solidFill>
-                          <a:latin typeface="Arial"/>
-                          <a:ea typeface="Arial"/>
-                        </a:rPr>
-                        <a:t>EXTENSION</a:t>
-                      </a:r>
-                      <a:endParaRPr lang="es-ES" sz="1400" b="0" strike="noStrike" spc="-1" dirty="0">
-                        <a:latin typeface="Arial"/>
-                      </a:endParaRPr>
-                    </a:p>
-                  </a:txBody>
-                  <a:tcPr marL="91080" marR="91080">
-                    <a:lnL w="18720">
-                      <a:solidFill>
-                        <a:srgbClr val="000000"/>
-                      </a:solidFill>
-                    </a:lnL>
-                    <a:lnR w="18720">
-                      <a:solidFill>
-                        <a:srgbClr val="000000"/>
-                      </a:solidFill>
-                    </a:lnR>
-                    <a:lnT w="18720">
-                      <a:solidFill>
-                        <a:srgbClr val="000000"/>
-                      </a:solidFill>
-                    </a:lnT>
-                    <a:lnB w="18720">
-                      <a:solidFill>
-                        <a:srgbClr val="000000"/>
-                      </a:solidFill>
-                    </a:lnB>
-                    <a:noFill/>
-                  </a:tcPr>
-                </a:tc>
-                <a:tc>
-                  <a:txBody>
-                    <a:bodyPr/>
-                    <a:lstStyle/>
-                    <a:p>
-                      <a:pPr algn="ctr">
-                        <a:lnSpc>
-                          <a:spcPct val="115000"/>
-                        </a:lnSpc>
-                      </a:pPr>
-                      <a:r>
-                        <a:rPr lang="es-ES" sz="1400" b="0" strike="noStrike" spc="-1">
-                          <a:solidFill>
-                            <a:srgbClr val="000000"/>
-                          </a:solidFill>
-                          <a:latin typeface="Arial"/>
-                          <a:ea typeface="Arial"/>
-                        </a:rPr>
-                        <a:t>IMPLEMENTED</a:t>
-                      </a:r>
-                      <a:endParaRPr lang="es-ES" sz="1400" b="0" strike="noStrike" spc="-1">
-                        <a:latin typeface="Arial"/>
-                      </a:endParaRPr>
-                    </a:p>
-                  </a:txBody>
-                  <a:tcPr marL="91080" marR="91080">
-                    <a:lnL w="18720">
-                      <a:solidFill>
-                        <a:srgbClr val="000000"/>
-                      </a:solidFill>
-                    </a:lnL>
-                    <a:lnR w="18720">
-                      <a:solidFill>
-                        <a:srgbClr val="000000"/>
-                      </a:solidFill>
-                    </a:lnR>
-                    <a:lnT w="18720">
-                      <a:solidFill>
-                        <a:srgbClr val="000000"/>
-                      </a:solidFill>
-                    </a:lnT>
-                    <a:lnB w="18720">
-                      <a:solidFill>
-                        <a:srgbClr val="000000"/>
-                      </a:solidFill>
-                    </a:lnB>
-                    <a:noFill/>
-                  </a:tcPr>
-                </a:tc>
-              </a:tr>
-              <a:tr h="412200">
-                <a:tc>
-                  <a:txBody>
-                    <a:bodyPr/>
-                    <a:lstStyle/>
-                    <a:p>
-                      <a:pPr algn="ctr">
-                        <a:lnSpc>
-                          <a:spcPct val="115000"/>
-                        </a:lnSpc>
-                      </a:pPr>
-                      <a:r>
-                        <a:rPr lang="es-ES" sz="1400" b="0" strike="noStrike" spc="-1">
-                          <a:solidFill>
-                            <a:srgbClr val="000000"/>
-                          </a:solidFill>
-                          <a:latin typeface="Arial"/>
-                          <a:ea typeface="Arial"/>
-                        </a:rPr>
-                        <a:t>Self-registration</a:t>
-                      </a:r>
-                      <a:endParaRPr lang="es-ES" sz="1400" b="0" strike="noStrike" spc="-1">
-                        <a:latin typeface="Arial"/>
-                      </a:endParaRPr>
-                    </a:p>
-                  </a:txBody>
-                  <a:tcPr marL="91080" marR="91080">
-                    <a:lnL w="18720">
-                      <a:solidFill>
-                        <a:srgbClr val="000000"/>
-                      </a:solidFill>
-                    </a:lnL>
-                    <a:lnR w="18720">
-                      <a:solidFill>
-                        <a:srgbClr val="000000"/>
-                      </a:solidFill>
-                    </a:lnR>
-                    <a:lnT w="18720">
-                      <a:solidFill>
-                        <a:srgbClr val="000000"/>
-                      </a:solidFill>
-                    </a:lnT>
-                    <a:lnB w="18720">
-                      <a:solidFill>
-                        <a:srgbClr val="000000"/>
-                      </a:solidFill>
-                    </a:lnB>
-                    <a:noFill/>
-                  </a:tcPr>
-                </a:tc>
-                <a:tc>
-                  <a:txBody>
-                    <a:bodyPr/>
-                    <a:lstStyle/>
-                    <a:p>
-                      <a:pPr algn="ctr">
-                        <a:lnSpc>
-                          <a:spcPct val="115000"/>
-                        </a:lnSpc>
-                      </a:pPr>
-                      <a:r>
-                        <a:rPr lang="es-ES" sz="1100" b="0" strike="noStrike" spc="-1" dirty="0">
-                          <a:solidFill>
-                            <a:srgbClr val="00B050"/>
-                          </a:solidFill>
-                          <a:latin typeface="Arial"/>
-                          <a:ea typeface="Arial"/>
-                        </a:rPr>
-                        <a:t>YES</a:t>
-                      </a:r>
-                      <a:endParaRPr lang="es-ES" sz="1100" b="0" strike="noStrike" spc="-1" dirty="0">
-                        <a:latin typeface="Arial"/>
-                      </a:endParaRPr>
-                    </a:p>
-                  </a:txBody>
-                  <a:tcPr marL="91080" marR="91080">
-                    <a:lnL w="18720">
-                      <a:solidFill>
-                        <a:srgbClr val="000000"/>
-                      </a:solidFill>
-                    </a:lnL>
-                    <a:lnR w="18720">
-                      <a:solidFill>
-                        <a:srgbClr val="000000"/>
-                      </a:solidFill>
-                    </a:lnR>
-                    <a:lnT w="18720">
-                      <a:solidFill>
-                        <a:srgbClr val="000000"/>
-                      </a:solidFill>
-                    </a:lnT>
-                    <a:lnB w="18720">
-                      <a:solidFill>
-                        <a:srgbClr val="000000"/>
-                      </a:solidFill>
-                    </a:lnB>
-                    <a:noFill/>
-                  </a:tcPr>
-                </a:tc>
-              </a:tr>
-              <a:tr h="412200">
-                <a:tc>
-                  <a:txBody>
-                    <a:bodyPr/>
-                    <a:lstStyle/>
-                    <a:p>
-                      <a:pPr algn="ctr">
-                        <a:lnSpc>
-                          <a:spcPct val="115000"/>
-                        </a:lnSpc>
-                      </a:pPr>
-                      <a:r>
-                        <a:rPr lang="es-ES" sz="1400" b="0" strike="noStrike" spc="-1" dirty="0" err="1">
-                          <a:solidFill>
-                            <a:srgbClr val="000000"/>
-                          </a:solidFill>
-                          <a:latin typeface="Arial"/>
-                          <a:ea typeface="Arial"/>
-                        </a:rPr>
-                        <a:t>Password</a:t>
-                      </a:r>
-                      <a:r>
-                        <a:rPr lang="es-ES" sz="1400" b="0" strike="noStrike" spc="-1" dirty="0">
-                          <a:solidFill>
-                            <a:srgbClr val="000000"/>
-                          </a:solidFill>
-                          <a:latin typeface="Arial"/>
-                          <a:ea typeface="Arial"/>
-                        </a:rPr>
-                        <a:t> </a:t>
-                      </a:r>
-                      <a:r>
-                        <a:rPr lang="es-ES" sz="1400" b="0" strike="noStrike" spc="-1" dirty="0" err="1">
-                          <a:solidFill>
-                            <a:srgbClr val="000000"/>
-                          </a:solidFill>
-                          <a:latin typeface="Arial"/>
-                          <a:ea typeface="Arial"/>
-                        </a:rPr>
-                        <a:t>recovery</a:t>
-                      </a:r>
-                      <a:endParaRPr lang="es-ES" sz="1400" b="0" strike="noStrike" spc="-1" dirty="0">
-                        <a:latin typeface="Arial"/>
-                      </a:endParaRPr>
-                    </a:p>
-                  </a:txBody>
-                  <a:tcPr marL="91080" marR="91080">
-                    <a:lnL w="18720">
-                      <a:solidFill>
-                        <a:srgbClr val="000000"/>
-                      </a:solidFill>
-                    </a:lnL>
-                    <a:lnR w="18720">
-                      <a:solidFill>
-                        <a:srgbClr val="000000"/>
-                      </a:solidFill>
-                    </a:lnR>
-                    <a:lnT w="18720">
-                      <a:solidFill>
-                        <a:srgbClr val="000000"/>
-                      </a:solidFill>
-                    </a:lnT>
-                    <a:lnB w="18720">
-                      <a:solidFill>
-                        <a:srgbClr val="000000"/>
-                      </a:solidFill>
-                    </a:lnB>
-                    <a:noFill/>
-                  </a:tcPr>
-                </a:tc>
-                <a:tc>
-                  <a:txBody>
-                    <a:bodyPr/>
-                    <a:lstStyle/>
-                    <a:p>
-                      <a:pPr algn="ctr">
-                        <a:lnSpc>
-                          <a:spcPct val="115000"/>
-                        </a:lnSpc>
-                      </a:pPr>
-                      <a:r>
-                        <a:rPr lang="es-ES" sz="1100" b="0" strike="noStrike" spc="-1" dirty="0">
-                          <a:solidFill>
-                            <a:srgbClr val="FF0000"/>
-                          </a:solidFill>
-                          <a:latin typeface="Arial"/>
-                          <a:ea typeface="Arial"/>
-                        </a:rPr>
-                        <a:t>NO</a:t>
-                      </a:r>
-                      <a:endParaRPr lang="es-ES" sz="1100" b="0" strike="noStrike" spc="-1" dirty="0">
-                        <a:latin typeface="Arial"/>
-                      </a:endParaRPr>
-                    </a:p>
-                  </a:txBody>
-                  <a:tcPr marL="91080" marR="91080">
-                    <a:lnL w="18720">
-                      <a:solidFill>
-                        <a:srgbClr val="000000"/>
-                      </a:solidFill>
-                    </a:lnL>
-                    <a:lnR w="18720">
-                      <a:solidFill>
-                        <a:srgbClr val="000000"/>
-                      </a:solidFill>
-                    </a:lnR>
-                    <a:lnT w="18720">
-                      <a:solidFill>
-                        <a:srgbClr val="000000"/>
-                      </a:solidFill>
-                    </a:lnT>
-                    <a:lnB w="18720">
-                      <a:solidFill>
-                        <a:srgbClr val="000000"/>
-                      </a:solidFill>
-                    </a:lnB>
-                    <a:noFill/>
-                  </a:tcPr>
-                </a:tc>
-              </a:tr>
-              <a:tr h="412200">
-                <a:tc>
-                  <a:txBody>
-                    <a:bodyPr/>
-                    <a:lstStyle/>
-                    <a:p>
-                      <a:pPr algn="ctr">
-                        <a:lnSpc>
-                          <a:spcPct val="115000"/>
-                        </a:lnSpc>
-                      </a:pPr>
-                      <a:r>
-                        <a:rPr lang="es-ES" sz="1400" b="0" strike="noStrike" spc="-1">
-                          <a:solidFill>
-                            <a:srgbClr val="000000"/>
-                          </a:solidFill>
-                          <a:latin typeface="Arial"/>
-                          <a:ea typeface="Arial"/>
-                        </a:rPr>
-                        <a:t>Messages to several recipients</a:t>
-                      </a:r>
-                      <a:endParaRPr lang="es-ES" sz="1400" b="0" strike="noStrike" spc="-1">
-                        <a:latin typeface="Arial"/>
-                      </a:endParaRPr>
-                    </a:p>
-                  </a:txBody>
-                  <a:tcPr marL="91080" marR="91080">
-                    <a:lnL w="18720">
-                      <a:solidFill>
-                        <a:srgbClr val="000000"/>
-                      </a:solidFill>
-                    </a:lnL>
-                    <a:lnR w="18720">
-                      <a:solidFill>
-                        <a:srgbClr val="000000"/>
-                      </a:solidFill>
-                    </a:lnR>
-                    <a:lnT w="18720">
-                      <a:solidFill>
-                        <a:srgbClr val="000000"/>
-                      </a:solidFill>
-                    </a:lnT>
-                    <a:lnB w="18720">
-                      <a:solidFill>
-                        <a:srgbClr val="000000"/>
-                      </a:solidFill>
-                    </a:lnB>
-                    <a:noFill/>
-                  </a:tcPr>
-                </a:tc>
-                <a:tc>
-                  <a:txBody>
-                    <a:bodyPr/>
-                    <a:lstStyle/>
-                    <a:p>
-                      <a:pPr algn="ctr">
-                        <a:lnSpc>
-                          <a:spcPct val="115000"/>
-                        </a:lnSpc>
-                      </a:pPr>
-                      <a:r>
-                        <a:rPr lang="es-ES" sz="1100" b="0" strike="noStrike" spc="-1" dirty="0">
-                          <a:solidFill>
-                            <a:srgbClr val="00B050"/>
-                          </a:solidFill>
-                          <a:latin typeface="Arial"/>
-                          <a:ea typeface="Arial"/>
-                        </a:rPr>
-                        <a:t>YES</a:t>
-                      </a:r>
-                      <a:endParaRPr lang="es-ES" sz="1100" b="0" strike="noStrike" spc="-1" dirty="0">
-                        <a:latin typeface="Arial"/>
-                      </a:endParaRPr>
-                    </a:p>
-                  </a:txBody>
-                  <a:tcPr marL="91080" marR="91080">
-                    <a:lnL w="18720">
-                      <a:solidFill>
-                        <a:srgbClr val="000000"/>
-                      </a:solidFill>
-                    </a:lnL>
-                    <a:lnR w="18720">
-                      <a:solidFill>
-                        <a:srgbClr val="000000"/>
-                      </a:solidFill>
-                    </a:lnR>
-                    <a:lnT w="18720">
-                      <a:solidFill>
-                        <a:srgbClr val="000000"/>
-                      </a:solidFill>
-                    </a:lnT>
-                    <a:lnB w="18720">
-                      <a:solidFill>
-                        <a:srgbClr val="000000"/>
-                      </a:solidFill>
-                    </a:lnB>
-                    <a:noFill/>
-                  </a:tcPr>
-                </a:tc>
-              </a:tr>
-              <a:tr h="412200">
-                <a:tc>
-                  <a:txBody>
-                    <a:bodyPr/>
-                    <a:lstStyle/>
-                    <a:p>
-                      <a:pPr algn="ctr">
-                        <a:lnSpc>
-                          <a:spcPct val="115000"/>
-                        </a:lnSpc>
-                      </a:pPr>
-                      <a:r>
-                        <a:rPr lang="es-ES" sz="1400" b="0" strike="noStrike" spc="-1">
-                          <a:solidFill>
-                            <a:srgbClr val="000000"/>
-                          </a:solidFill>
-                          <a:latin typeface="Arial"/>
-                          <a:ea typeface="Arial"/>
-                        </a:rPr>
-                        <a:t>Encrypted user password</a:t>
-                      </a:r>
-                      <a:endParaRPr lang="es-ES" sz="1400" b="0" strike="noStrike" spc="-1">
-                        <a:latin typeface="Arial"/>
-                      </a:endParaRPr>
-                    </a:p>
-                  </a:txBody>
-                  <a:tcPr marL="91080" marR="91080">
-                    <a:lnL w="18720">
-                      <a:solidFill>
-                        <a:srgbClr val="000000"/>
-                      </a:solidFill>
-                    </a:lnL>
-                    <a:lnR w="18720">
-                      <a:solidFill>
-                        <a:srgbClr val="000000"/>
-                      </a:solidFill>
-                    </a:lnR>
-                    <a:lnT w="18720">
-                      <a:solidFill>
-                        <a:srgbClr val="000000"/>
-                      </a:solidFill>
-                    </a:lnT>
-                    <a:lnB w="18720">
-                      <a:solidFill>
-                        <a:srgbClr val="000000"/>
-                      </a:solidFill>
-                    </a:lnB>
-                    <a:noFill/>
-                  </a:tcPr>
-                </a:tc>
-                <a:tc>
-                  <a:txBody>
-                    <a:bodyPr/>
-                    <a:lstStyle/>
-                    <a:p>
-                      <a:pPr algn="ctr">
-                        <a:lnSpc>
-                          <a:spcPct val="115000"/>
-                        </a:lnSpc>
-                      </a:pPr>
-                      <a:r>
-                        <a:rPr lang="es-ES" sz="1100" b="0" strike="noStrike" spc="-1" dirty="0">
-                          <a:solidFill>
-                            <a:srgbClr val="00B050"/>
-                          </a:solidFill>
-                          <a:latin typeface="Arial"/>
-                          <a:ea typeface="Arial"/>
-                        </a:rPr>
-                        <a:t>YES</a:t>
-                      </a:r>
-                      <a:endParaRPr lang="es-ES" sz="1100" b="0" strike="noStrike" spc="-1" dirty="0">
-                        <a:latin typeface="Arial"/>
-                      </a:endParaRPr>
-                    </a:p>
-                  </a:txBody>
-                  <a:tcPr marL="91080" marR="91080">
-                    <a:lnL w="18720">
-                      <a:solidFill>
-                        <a:srgbClr val="000000"/>
-                      </a:solidFill>
-                    </a:lnL>
-                    <a:lnR w="18720">
-                      <a:solidFill>
-                        <a:srgbClr val="000000"/>
-                      </a:solidFill>
-                    </a:lnR>
-                    <a:lnT w="18720">
-                      <a:solidFill>
-                        <a:srgbClr val="000000"/>
-                      </a:solidFill>
-                    </a:lnT>
-                    <a:lnB w="18720">
-                      <a:solidFill>
-                        <a:srgbClr val="000000"/>
-                      </a:solidFill>
-                    </a:lnB>
-                    <a:noFill/>
-                  </a:tcPr>
-                </a:tc>
-              </a:tr>
-              <a:tr h="412200">
-                <a:tc>
-                  <a:txBody>
-                    <a:bodyPr/>
-                    <a:lstStyle/>
-                    <a:p>
-                      <a:pPr algn="ctr">
-                        <a:lnSpc>
-                          <a:spcPct val="115000"/>
-                        </a:lnSpc>
-                      </a:pPr>
-                      <a:r>
-                        <a:rPr lang="es-ES" sz="1400" b="0" strike="noStrike" spc="-1">
-                          <a:solidFill>
-                            <a:srgbClr val="000000"/>
-                          </a:solidFill>
-                          <a:latin typeface="Arial"/>
-                          <a:ea typeface="Arial"/>
-                        </a:rPr>
-                        <a:t>User avatar</a:t>
-                      </a:r>
-                      <a:endParaRPr lang="es-ES" sz="1400" b="0" strike="noStrike" spc="-1">
-                        <a:latin typeface="Arial"/>
-                      </a:endParaRPr>
-                    </a:p>
-                  </a:txBody>
-                  <a:tcPr marL="91080" marR="91080">
-                    <a:lnL w="18720">
-                      <a:solidFill>
-                        <a:srgbClr val="000000"/>
-                      </a:solidFill>
-                    </a:lnL>
-                    <a:lnR w="18720">
-                      <a:solidFill>
-                        <a:srgbClr val="000000"/>
-                      </a:solidFill>
-                    </a:lnR>
-                    <a:lnT w="18720">
-                      <a:solidFill>
-                        <a:srgbClr val="000000"/>
-                      </a:solidFill>
-                    </a:lnT>
-                    <a:lnB w="18720">
-                      <a:solidFill>
-                        <a:srgbClr val="000000"/>
-                      </a:solidFill>
-                    </a:lnB>
-                    <a:noFill/>
-                  </a:tcPr>
-                </a:tc>
-                <a:tc>
-                  <a:txBody>
-                    <a:bodyPr/>
-                    <a:lstStyle/>
-                    <a:p>
-                      <a:pPr algn="ctr">
-                        <a:lnSpc>
-                          <a:spcPct val="115000"/>
-                        </a:lnSpc>
-                      </a:pPr>
-                      <a:r>
-                        <a:rPr lang="es-ES" sz="1100" b="0" strike="noStrike" spc="-1" dirty="0">
-                          <a:solidFill>
-                            <a:srgbClr val="00B050"/>
-                          </a:solidFill>
-                          <a:latin typeface="Arial"/>
-                          <a:ea typeface="Arial"/>
-                        </a:rPr>
-                        <a:t>YES</a:t>
-                      </a:r>
-                      <a:endParaRPr lang="es-ES" sz="1100" b="0" strike="noStrike" spc="-1" dirty="0">
-                        <a:latin typeface="Arial"/>
-                      </a:endParaRPr>
-                    </a:p>
-                  </a:txBody>
-                  <a:tcPr marL="91080" marR="91080">
-                    <a:lnL w="18720">
-                      <a:solidFill>
-                        <a:srgbClr val="000000"/>
-                      </a:solidFill>
-                    </a:lnL>
-                    <a:lnR w="18720">
-                      <a:solidFill>
-                        <a:srgbClr val="000000"/>
-                      </a:solidFill>
-                    </a:lnR>
-                    <a:lnT w="18720">
-                      <a:solidFill>
-                        <a:srgbClr val="000000"/>
-                      </a:solidFill>
-                    </a:lnT>
-                    <a:lnB w="18720">
-                      <a:solidFill>
-                        <a:srgbClr val="000000"/>
-                      </a:solidFill>
-                    </a:lnB>
-                    <a:noFill/>
-                  </a:tcPr>
-                </a:tc>
-              </a:tr>
-              <a:tr h="412200">
-                <a:tc>
-                  <a:txBody>
-                    <a:bodyPr/>
-                    <a:lstStyle/>
-                    <a:p>
-                      <a:pPr algn="ctr">
-                        <a:lnSpc>
-                          <a:spcPct val="115000"/>
-                        </a:lnSpc>
-                      </a:pPr>
-                      <a:r>
-                        <a:rPr lang="es-ES" sz="1400" b="0" strike="noStrike" spc="-1">
-                          <a:solidFill>
-                            <a:srgbClr val="000000"/>
-                          </a:solidFill>
-                          <a:latin typeface="Arial"/>
-                          <a:ea typeface="Arial"/>
-                        </a:rPr>
-                        <a:t>User profile</a:t>
-                      </a:r>
-                      <a:endParaRPr lang="es-ES" sz="1400" b="0" strike="noStrike" spc="-1">
-                        <a:latin typeface="Arial"/>
-                      </a:endParaRPr>
-                    </a:p>
-                  </a:txBody>
-                  <a:tcPr marL="91080" marR="91080">
-                    <a:lnL w="18720">
-                      <a:solidFill>
-                        <a:srgbClr val="000000"/>
-                      </a:solidFill>
-                    </a:lnL>
-                    <a:lnR w="18720">
-                      <a:solidFill>
-                        <a:srgbClr val="000000"/>
-                      </a:solidFill>
-                    </a:lnR>
-                    <a:lnT w="18720">
-                      <a:solidFill>
-                        <a:srgbClr val="000000"/>
-                      </a:solidFill>
-                    </a:lnT>
-                    <a:lnB w="18720">
-                      <a:solidFill>
-                        <a:srgbClr val="000000"/>
-                      </a:solidFill>
-                    </a:lnB>
-                    <a:noFill/>
-                  </a:tcPr>
-                </a:tc>
-                <a:tc>
-                  <a:txBody>
-                    <a:bodyPr/>
-                    <a:lstStyle/>
-                    <a:p>
-                      <a:pPr algn="ctr">
-                        <a:lnSpc>
-                          <a:spcPct val="115000"/>
-                        </a:lnSpc>
-                      </a:pPr>
-                      <a:r>
-                        <a:rPr lang="es-ES" sz="1100" b="0" strike="noStrike" spc="-1" dirty="0">
-                          <a:solidFill>
-                            <a:srgbClr val="00B050"/>
-                          </a:solidFill>
-                          <a:latin typeface="Arial"/>
-                          <a:ea typeface="Arial"/>
-                        </a:rPr>
-                        <a:t>YES</a:t>
-                      </a:r>
-                      <a:endParaRPr lang="es-ES" sz="1100" b="0" strike="noStrike" spc="-1" dirty="0">
-                        <a:latin typeface="Arial"/>
-                      </a:endParaRPr>
-                    </a:p>
-                  </a:txBody>
-                  <a:tcPr marL="91080" marR="91080">
-                    <a:lnL w="18720">
-                      <a:solidFill>
-                        <a:srgbClr val="000000"/>
-                      </a:solidFill>
-                    </a:lnL>
-                    <a:lnR w="18720">
-                      <a:solidFill>
-                        <a:srgbClr val="000000"/>
-                      </a:solidFill>
-                    </a:lnR>
-                    <a:lnT w="18720">
-                      <a:solidFill>
-                        <a:srgbClr val="000000"/>
-                      </a:solidFill>
-                    </a:lnT>
-                    <a:lnB w="18720">
-                      <a:solidFill>
-                        <a:srgbClr val="000000"/>
-                      </a:solidFill>
-                    </a:lnB>
-                    <a:noFill/>
-                  </a:tcPr>
-                </a:tc>
-              </a:tr>
-              <a:tr h="412200">
-                <a:tc>
-                  <a:txBody>
-                    <a:bodyPr/>
-                    <a:lstStyle/>
-                    <a:p>
-                      <a:pPr algn="ctr">
-                        <a:lnSpc>
-                          <a:spcPct val="115000"/>
-                        </a:lnSpc>
-                      </a:pPr>
-                      <a:r>
-                        <a:rPr lang="es-ES" sz="1400" b="0" strike="noStrike" spc="-1">
-                          <a:solidFill>
-                            <a:srgbClr val="000000"/>
-                          </a:solidFill>
-                          <a:latin typeface="Arial"/>
-                          <a:ea typeface="Arial"/>
-                        </a:rPr>
-                        <a:t>Friendship</a:t>
-                      </a:r>
-                      <a:endParaRPr lang="es-ES" sz="1400" b="0" strike="noStrike" spc="-1">
-                        <a:latin typeface="Arial"/>
-                      </a:endParaRPr>
-                    </a:p>
-                  </a:txBody>
-                  <a:tcPr marL="91080" marR="91080">
-                    <a:lnL w="18720">
-                      <a:solidFill>
-                        <a:srgbClr val="000000"/>
-                      </a:solidFill>
-                    </a:lnL>
-                    <a:lnR w="18720">
-                      <a:solidFill>
-                        <a:srgbClr val="000000"/>
-                      </a:solidFill>
-                    </a:lnR>
-                    <a:lnT w="18720">
-                      <a:solidFill>
-                        <a:srgbClr val="000000"/>
-                      </a:solidFill>
-                    </a:lnT>
-                    <a:lnB w="18720">
-                      <a:solidFill>
-                        <a:srgbClr val="000000"/>
-                      </a:solidFill>
-                    </a:lnB>
-                    <a:noFill/>
-                  </a:tcPr>
-                </a:tc>
-                <a:tc>
-                  <a:txBody>
-                    <a:bodyPr/>
-                    <a:lstStyle/>
-                    <a:p>
-                      <a:pPr algn="ctr">
-                        <a:lnSpc>
-                          <a:spcPct val="115000"/>
-                        </a:lnSpc>
-                      </a:pPr>
-                      <a:r>
-                        <a:rPr lang="es-ES" sz="1100" b="0" strike="noStrike" spc="-1" dirty="0">
-                          <a:solidFill>
-                            <a:srgbClr val="00B050"/>
-                          </a:solidFill>
-                          <a:latin typeface="Arial"/>
-                          <a:ea typeface="Arial"/>
-                        </a:rPr>
-                        <a:t>YES</a:t>
-                      </a:r>
-                      <a:endParaRPr lang="es-ES" sz="1100" b="0" strike="noStrike" spc="-1" dirty="0">
-                        <a:latin typeface="Arial"/>
-                      </a:endParaRPr>
-                    </a:p>
-                  </a:txBody>
-                  <a:tcPr marL="91080" marR="91080">
-                    <a:lnL w="18720">
-                      <a:solidFill>
-                        <a:srgbClr val="000000"/>
-                      </a:solidFill>
-                    </a:lnL>
-                    <a:lnR w="18720">
-                      <a:solidFill>
-                        <a:srgbClr val="000000"/>
-                      </a:solidFill>
-                    </a:lnR>
-                    <a:lnT w="18720">
-                      <a:solidFill>
-                        <a:srgbClr val="000000"/>
-                      </a:solidFill>
-                    </a:lnT>
-                    <a:lnB w="18720">
-                      <a:solidFill>
-                        <a:srgbClr val="000000"/>
-                      </a:solidFill>
-                    </a:lnB>
-                    <a:noFill/>
-                  </a:tcPr>
-                </a:tc>
-              </a:tr>
-              <a:tr h="412200">
-                <a:tc>
-                  <a:txBody>
-                    <a:bodyPr/>
-                    <a:lstStyle/>
-                    <a:p>
-                      <a:pPr algn="ctr">
-                        <a:lnSpc>
-                          <a:spcPct val="115000"/>
-                        </a:lnSpc>
-                      </a:pPr>
-                      <a:r>
-                        <a:rPr lang="es-ES" sz="1400" b="0" strike="noStrike" spc="-1">
-                          <a:solidFill>
-                            <a:srgbClr val="000000"/>
-                          </a:solidFill>
-                          <a:latin typeface="Arial"/>
-                          <a:ea typeface="Arial"/>
-                        </a:rPr>
-                        <a:t>Groups</a:t>
-                      </a:r>
-                      <a:endParaRPr lang="es-ES" sz="1400" b="0" strike="noStrike" spc="-1">
-                        <a:latin typeface="Arial"/>
-                      </a:endParaRPr>
-                    </a:p>
-                  </a:txBody>
-                  <a:tcPr marL="91080" marR="91080">
-                    <a:lnL w="18720">
-                      <a:solidFill>
-                        <a:srgbClr val="000000"/>
-                      </a:solidFill>
-                    </a:lnL>
-                    <a:lnR w="18720">
-                      <a:solidFill>
-                        <a:srgbClr val="000000"/>
-                      </a:solidFill>
-                    </a:lnR>
-                    <a:lnT w="18720">
-                      <a:solidFill>
-                        <a:srgbClr val="000000"/>
-                      </a:solidFill>
-                    </a:lnT>
-                    <a:lnB w="18720">
-                      <a:solidFill>
-                        <a:srgbClr val="000000"/>
-                      </a:solidFill>
-                    </a:lnB>
-                    <a:noFill/>
-                  </a:tcPr>
-                </a:tc>
-                <a:tc>
-                  <a:txBody>
-                    <a:bodyPr/>
-                    <a:lstStyle/>
-                    <a:p>
-                      <a:pPr algn="ctr">
-                        <a:lnSpc>
-                          <a:spcPct val="115000"/>
-                        </a:lnSpc>
-                      </a:pPr>
-                      <a:r>
-                        <a:rPr lang="es-ES" sz="1100" b="0" strike="noStrike" spc="-1" dirty="0">
-                          <a:solidFill>
-                            <a:srgbClr val="00B050"/>
-                          </a:solidFill>
-                          <a:latin typeface="Arial"/>
-                          <a:ea typeface="Arial"/>
-                        </a:rPr>
-                        <a:t>YES</a:t>
-                      </a:r>
-                      <a:endParaRPr lang="es-ES" sz="1100" b="0" strike="noStrike" spc="-1" dirty="0">
-                        <a:latin typeface="Arial"/>
-                      </a:endParaRPr>
-                    </a:p>
-                  </a:txBody>
-                  <a:tcPr marL="91080" marR="91080">
-                    <a:lnL w="18720">
-                      <a:solidFill>
-                        <a:srgbClr val="000000"/>
-                      </a:solidFill>
-                    </a:lnL>
-                    <a:lnR w="18720">
-                      <a:solidFill>
-                        <a:srgbClr val="000000"/>
-                      </a:solidFill>
-                    </a:lnR>
-                    <a:lnT w="18720">
-                      <a:solidFill>
-                        <a:srgbClr val="000000"/>
-                      </a:solidFill>
-                    </a:lnT>
-                    <a:lnB w="18720">
-                      <a:solidFill>
-                        <a:srgbClr val="000000"/>
-                      </a:solidFill>
-                    </a:lnB>
-                    <a:noFill/>
-                  </a:tcPr>
-                </a:tc>
-              </a:tr>
-              <a:tr h="412200">
-                <a:tc>
-                  <a:txBody>
-                    <a:bodyPr/>
-                    <a:lstStyle/>
-                    <a:p>
-                      <a:pPr algn="ctr">
-                        <a:lnSpc>
-                          <a:spcPct val="115000"/>
-                        </a:lnSpc>
-                      </a:pPr>
-                      <a:r>
-                        <a:rPr lang="es-ES" sz="1400" b="0" strike="noStrike" spc="-1">
-                          <a:solidFill>
-                            <a:srgbClr val="000000"/>
-                          </a:solidFill>
-                          <a:latin typeface="Arial"/>
-                          <a:ea typeface="Arial"/>
-                        </a:rPr>
-                        <a:t>Administration zone</a:t>
-                      </a:r>
-                      <a:endParaRPr lang="es-ES" sz="1400" b="0" strike="noStrike" spc="-1">
-                        <a:latin typeface="Arial"/>
-                      </a:endParaRPr>
-                    </a:p>
-                  </a:txBody>
-                  <a:tcPr marL="91080" marR="91080">
-                    <a:lnL w="18720">
-                      <a:solidFill>
-                        <a:srgbClr val="000000"/>
-                      </a:solidFill>
-                    </a:lnL>
-                    <a:lnR w="18720">
-                      <a:solidFill>
-                        <a:srgbClr val="000000"/>
-                      </a:solidFill>
-                    </a:lnR>
-                    <a:lnT w="18720">
-                      <a:solidFill>
-                        <a:srgbClr val="000000"/>
-                      </a:solidFill>
-                    </a:lnT>
-                    <a:lnB w="18720">
-                      <a:solidFill>
-                        <a:srgbClr val="000000"/>
-                      </a:solidFill>
-                    </a:lnB>
-                    <a:noFill/>
-                  </a:tcPr>
-                </a:tc>
-                <a:tc>
-                  <a:txBody>
-                    <a:bodyPr/>
-                    <a:lstStyle/>
-                    <a:p>
-                      <a:pPr algn="ctr">
-                        <a:lnSpc>
-                          <a:spcPct val="115000"/>
-                        </a:lnSpc>
-                      </a:pPr>
-                      <a:r>
-                        <a:rPr lang="es-ES" sz="1100" b="0" strike="noStrike" spc="-1" dirty="0">
-                          <a:solidFill>
-                            <a:srgbClr val="00B050"/>
-                          </a:solidFill>
-                          <a:latin typeface="Arial"/>
-                          <a:ea typeface="Arial"/>
-                        </a:rPr>
-                        <a:t>YES</a:t>
-                      </a:r>
-                      <a:endParaRPr lang="es-ES" sz="1100" b="0" strike="noStrike" spc="-1" dirty="0">
-                        <a:latin typeface="Arial"/>
-                      </a:endParaRPr>
-                    </a:p>
-                  </a:txBody>
-                  <a:tcPr marL="91080" marR="91080">
-                    <a:lnL w="18720">
-                      <a:solidFill>
-                        <a:srgbClr val="000000"/>
-                      </a:solidFill>
-                    </a:lnL>
-                    <a:lnR w="18720">
-                      <a:solidFill>
-                        <a:srgbClr val="000000"/>
-                      </a:solidFill>
-                    </a:lnR>
-                    <a:lnT w="18720">
-                      <a:solidFill>
-                        <a:srgbClr val="000000"/>
-                      </a:solidFill>
-                    </a:lnT>
-                    <a:lnB w="18720">
-                      <a:solidFill>
-                        <a:srgbClr val="000000"/>
-                      </a:solidFill>
-                    </a:lnB>
-                    <a:noFill/>
-                  </a:tcPr>
-                </a:tc>
-              </a:tr>
-              <a:tr h="412200">
-                <a:tc>
-                  <a:txBody>
-                    <a:bodyPr/>
-                    <a:lstStyle/>
-                    <a:p>
-                      <a:pPr algn="ctr">
-                        <a:lnSpc>
-                          <a:spcPct val="115000"/>
-                        </a:lnSpc>
-                      </a:pPr>
-                      <a:r>
-                        <a:rPr lang="es-ES" sz="1400" b="0" strike="noStrike" spc="-1">
-                          <a:solidFill>
-                            <a:srgbClr val="000000"/>
-                          </a:solidFill>
-                          <a:latin typeface="Arial"/>
-                          <a:ea typeface="Arial"/>
-                        </a:rPr>
-                        <a:t>Attached files</a:t>
-                      </a:r>
-                      <a:endParaRPr lang="es-ES" sz="1400" b="0" strike="noStrike" spc="-1">
-                        <a:latin typeface="Arial"/>
-                      </a:endParaRPr>
-                    </a:p>
-                  </a:txBody>
-                  <a:tcPr marL="91080" marR="91080">
-                    <a:lnL w="18720">
-                      <a:solidFill>
-                        <a:srgbClr val="000000"/>
-                      </a:solidFill>
-                    </a:lnL>
-                    <a:lnR w="18720">
-                      <a:solidFill>
-                        <a:srgbClr val="000000"/>
-                      </a:solidFill>
-                    </a:lnR>
-                    <a:lnT w="18720">
-                      <a:solidFill>
-                        <a:srgbClr val="000000"/>
-                      </a:solidFill>
-                    </a:lnT>
-                    <a:lnB w="18720">
-                      <a:solidFill>
-                        <a:srgbClr val="000000"/>
-                      </a:solidFill>
-                    </a:lnB>
-                    <a:noFill/>
-                  </a:tcPr>
-                </a:tc>
-                <a:tc>
-                  <a:txBody>
-                    <a:bodyPr/>
-                    <a:lstStyle/>
-                    <a:p>
-                      <a:pPr algn="ctr">
-                        <a:lnSpc>
-                          <a:spcPct val="115000"/>
-                        </a:lnSpc>
-                      </a:pPr>
-                      <a:r>
-                        <a:rPr lang="es-ES" sz="1100" b="0" strike="noStrike" spc="-1" dirty="0">
-                          <a:solidFill>
-                            <a:srgbClr val="00B050"/>
-                          </a:solidFill>
-                          <a:latin typeface="Arial"/>
-                          <a:ea typeface="Arial"/>
-                        </a:rPr>
-                        <a:t>YES</a:t>
-                      </a:r>
-                      <a:endParaRPr lang="es-ES" sz="1100" b="0" strike="noStrike" spc="-1" dirty="0">
-                        <a:latin typeface="Arial"/>
-                      </a:endParaRPr>
-                    </a:p>
-                  </a:txBody>
-                  <a:tcPr marL="91080" marR="91080">
-                    <a:lnL w="18720">
-                      <a:solidFill>
-                        <a:srgbClr val="000000"/>
-                      </a:solidFill>
-                    </a:lnL>
-                    <a:lnR w="18720">
-                      <a:solidFill>
-                        <a:srgbClr val="000000"/>
-                      </a:solidFill>
-                    </a:lnR>
-                    <a:lnT w="18720">
-                      <a:solidFill>
-                        <a:srgbClr val="000000"/>
-                      </a:solidFill>
-                    </a:lnT>
-                    <a:lnB w="18720">
-                      <a:solidFill>
-                        <a:srgbClr val="000000"/>
-                      </a:solidFill>
-                    </a:lnB>
-                    <a:noFill/>
-                  </a:tcPr>
-                </a:tc>
-              </a:tr>
-              <a:tr h="412200">
-                <a:tc>
-                  <a:txBody>
-                    <a:bodyPr/>
-                    <a:lstStyle/>
-                    <a:p>
-                      <a:pPr algn="ctr">
-                        <a:lnSpc>
-                          <a:spcPct val="115000"/>
-                        </a:lnSpc>
-                      </a:pPr>
-                      <a:r>
-                        <a:rPr lang="es-ES" sz="1400" b="0" strike="noStrike" spc="-1">
-                          <a:solidFill>
-                            <a:srgbClr val="000000"/>
-                          </a:solidFill>
-                          <a:latin typeface="Arial"/>
-                          <a:ea typeface="Arial"/>
-                        </a:rPr>
-                        <a:t>Images</a:t>
-                      </a:r>
-                      <a:endParaRPr lang="es-ES" sz="1400" b="0" strike="noStrike" spc="-1">
-                        <a:latin typeface="Arial"/>
-                      </a:endParaRPr>
-                    </a:p>
-                  </a:txBody>
-                  <a:tcPr marL="91080" marR="91080">
-                    <a:lnL w="18720">
-                      <a:solidFill>
-                        <a:srgbClr val="000000"/>
-                      </a:solidFill>
-                    </a:lnL>
-                    <a:lnR w="18720">
-                      <a:solidFill>
-                        <a:srgbClr val="000000"/>
-                      </a:solidFill>
-                    </a:lnR>
-                    <a:lnT w="18720">
-                      <a:solidFill>
-                        <a:srgbClr val="000000"/>
-                      </a:solidFill>
-                    </a:lnT>
-                    <a:lnB w="18720">
-                      <a:solidFill>
-                        <a:srgbClr val="000000"/>
-                      </a:solidFill>
-                    </a:lnB>
-                    <a:noFill/>
-                  </a:tcPr>
-                </a:tc>
-                <a:tc>
-                  <a:txBody>
-                    <a:bodyPr/>
-                    <a:lstStyle/>
-                    <a:p>
-                      <a:pPr algn="ctr">
-                        <a:lnSpc>
-                          <a:spcPct val="115000"/>
-                        </a:lnSpc>
-                      </a:pPr>
-                      <a:r>
-                        <a:rPr lang="es-ES" sz="1100" b="0" strike="noStrike" spc="-1" dirty="0">
-                          <a:solidFill>
-                            <a:srgbClr val="00B050"/>
-                          </a:solidFill>
-                          <a:latin typeface="Arial"/>
-                          <a:ea typeface="Arial"/>
-                        </a:rPr>
-                        <a:t>YES</a:t>
-                      </a:r>
-                      <a:endParaRPr lang="es-ES" sz="1100" b="0" strike="noStrike" spc="-1" dirty="0">
-                        <a:latin typeface="Arial"/>
-                      </a:endParaRPr>
-                    </a:p>
-                  </a:txBody>
-                  <a:tcPr marL="91080" marR="91080">
-                    <a:lnL w="18720">
-                      <a:solidFill>
-                        <a:srgbClr val="000000"/>
-                      </a:solidFill>
-                    </a:lnL>
-                    <a:lnR w="18720">
-                      <a:solidFill>
-                        <a:srgbClr val="000000"/>
-                      </a:solidFill>
-                    </a:lnR>
-                    <a:lnT w="18720">
-                      <a:solidFill>
-                        <a:srgbClr val="000000"/>
-                      </a:solidFill>
-                    </a:lnT>
-                    <a:lnB w="18720">
-                      <a:solidFill>
-                        <a:srgbClr val="000000"/>
-                      </a:solidFill>
-                    </a:lnB>
-                    <a:noFill/>
-                  </a:tcPr>
-                </a:tc>
-              </a:tr>
-              <a:tr h="412200">
-                <a:tc>
-                  <a:txBody>
-                    <a:bodyPr/>
-                    <a:lstStyle/>
-                    <a:p>
-                      <a:pPr algn="ctr">
-                        <a:lnSpc>
-                          <a:spcPct val="115000"/>
-                        </a:lnSpc>
-                      </a:pPr>
-                      <a:r>
-                        <a:rPr lang="es-ES" sz="1400" b="0" strike="noStrike" spc="-1">
-                          <a:solidFill>
-                            <a:srgbClr val="000000"/>
-                          </a:solidFill>
-                          <a:latin typeface="Arial"/>
-                          <a:ea typeface="Arial"/>
-                        </a:rPr>
-                        <a:t>AJAX</a:t>
-                      </a:r>
-                      <a:endParaRPr lang="es-ES" sz="1400" b="0" strike="noStrike" spc="-1">
-                        <a:latin typeface="Arial"/>
-                      </a:endParaRPr>
-                    </a:p>
-                  </a:txBody>
-                  <a:tcPr marL="91080" marR="91080">
-                    <a:lnL w="18720">
-                      <a:solidFill>
-                        <a:srgbClr val="000000"/>
-                      </a:solidFill>
-                    </a:lnL>
-                    <a:lnR w="18720">
-                      <a:solidFill>
-                        <a:srgbClr val="000000"/>
-                      </a:solidFill>
-                    </a:lnR>
-                    <a:lnT w="18720">
-                      <a:solidFill>
-                        <a:srgbClr val="000000"/>
-                      </a:solidFill>
-                    </a:lnT>
-                    <a:lnB w="18720">
-                      <a:solidFill>
-                        <a:srgbClr val="000000"/>
-                      </a:solidFill>
-                    </a:lnB>
-                    <a:noFill/>
-                  </a:tcPr>
-                </a:tc>
-                <a:tc>
-                  <a:txBody>
-                    <a:bodyPr/>
-                    <a:lstStyle/>
-                    <a:p>
-                      <a:pPr algn="ctr">
-                        <a:lnSpc>
-                          <a:spcPct val="115000"/>
-                        </a:lnSpc>
-                      </a:pPr>
-                      <a:r>
-                        <a:rPr lang="es-ES" sz="1100" b="0" strike="noStrike" spc="-1" dirty="0">
-                          <a:solidFill>
-                            <a:srgbClr val="00B050"/>
-                          </a:solidFill>
-                          <a:latin typeface="Arial"/>
-                          <a:ea typeface="Arial"/>
-                        </a:rPr>
-                        <a:t>YES</a:t>
-                      </a:r>
-                      <a:endParaRPr lang="es-ES" sz="1100" b="0" strike="noStrike" spc="-1" dirty="0">
-                        <a:latin typeface="Arial"/>
-                      </a:endParaRPr>
-                    </a:p>
-                  </a:txBody>
-                  <a:tcPr marL="91080" marR="91080">
-                    <a:lnL w="18720">
-                      <a:solidFill>
-                        <a:srgbClr val="000000"/>
-                      </a:solidFill>
-                    </a:lnL>
-                    <a:lnR w="18720">
-                      <a:solidFill>
-                        <a:srgbClr val="000000"/>
-                      </a:solidFill>
-                    </a:lnR>
-                    <a:lnT w="18720">
-                      <a:solidFill>
-                        <a:srgbClr val="000000"/>
-                      </a:solidFill>
-                    </a:lnT>
-                    <a:lnB w="18720">
-                      <a:solidFill>
-                        <a:srgbClr val="000000"/>
-                      </a:solidFill>
-                    </a:lnB>
-                    <a:noFill/>
-                  </a:tcPr>
-                </a:tc>
-              </a:tr>
-              <a:tr h="412200">
-                <a:tc>
-                  <a:txBody>
-                    <a:bodyPr/>
-                    <a:lstStyle/>
-                    <a:p>
-                      <a:pPr algn="ctr">
-                        <a:lnSpc>
-                          <a:spcPct val="115000"/>
-                        </a:lnSpc>
-                      </a:pPr>
-                      <a:r>
-                        <a:rPr lang="es-ES" sz="1400" b="0" strike="noStrike" spc="-1">
-                          <a:solidFill>
-                            <a:srgbClr val="000000"/>
-                          </a:solidFill>
-                          <a:latin typeface="Arial"/>
-                          <a:ea typeface="Arial"/>
-                        </a:rPr>
-                        <a:t>Presentation</a:t>
-                      </a:r>
-                      <a:endParaRPr lang="es-ES" sz="1400" b="0" strike="noStrike" spc="-1">
-                        <a:latin typeface="Arial"/>
-                      </a:endParaRPr>
-                    </a:p>
-                  </a:txBody>
-                  <a:tcPr marL="91080" marR="91080">
-                    <a:lnL w="18720">
-                      <a:solidFill>
-                        <a:srgbClr val="000000"/>
-                      </a:solidFill>
-                    </a:lnL>
-                    <a:lnR w="18720">
-                      <a:solidFill>
-                        <a:srgbClr val="000000"/>
-                      </a:solidFill>
-                    </a:lnR>
-                    <a:lnT w="18720">
-                      <a:solidFill>
-                        <a:srgbClr val="000000"/>
-                      </a:solidFill>
-                    </a:lnT>
-                    <a:lnB w="18720">
-                      <a:solidFill>
-                        <a:srgbClr val="000000"/>
-                      </a:solidFill>
-                    </a:lnB>
-                    <a:noFill/>
-                  </a:tcPr>
-                </a:tc>
-                <a:tc>
-                  <a:txBody>
-                    <a:bodyPr/>
-                    <a:lstStyle/>
-                    <a:p>
-                      <a:pPr algn="ctr">
-                        <a:lnSpc>
-                          <a:spcPct val="115000"/>
-                        </a:lnSpc>
-                      </a:pPr>
-                      <a:r>
-                        <a:rPr lang="es-ES" sz="1100" b="0" strike="noStrike" spc="-1" dirty="0">
-                          <a:solidFill>
-                            <a:srgbClr val="00B050"/>
-                          </a:solidFill>
-                          <a:latin typeface="Arial"/>
-                          <a:ea typeface="Arial"/>
-                        </a:rPr>
-                        <a:t>YES</a:t>
-                      </a:r>
-                      <a:endParaRPr lang="es-ES" sz="1100" b="0" strike="noStrike" spc="-1" dirty="0">
-                        <a:latin typeface="Arial"/>
-                      </a:endParaRPr>
-                    </a:p>
-                  </a:txBody>
-                  <a:tcPr marL="91080" marR="91080">
-                    <a:lnL w="18720">
-                      <a:solidFill>
-                        <a:srgbClr val="000000"/>
-                      </a:solidFill>
-                    </a:lnL>
-                    <a:lnR w="18720">
-                      <a:solidFill>
-                        <a:srgbClr val="000000"/>
-                      </a:solidFill>
-                    </a:lnR>
-                    <a:lnT w="18720">
-                      <a:solidFill>
-                        <a:srgbClr val="000000"/>
-                      </a:solidFill>
-                    </a:lnT>
-                    <a:lnB w="18720">
-                      <a:solidFill>
-                        <a:srgbClr val="000000"/>
-                      </a:solidFill>
-                    </a:lnB>
-                    <a:noFill/>
-                  </a:tcPr>
-                </a:tc>
-              </a:tr>
-            </a:tbl>
-          </a:graphicData>
-        </a:graphic>
-      </p:graphicFrame>
+        </p:nvPicPr>
+        <p:blipFill>
+          <a:blip r:embed="rId2">
+            <a:extLst>
+              <a:ext uri="{28A0092B-C50C-407E-A947-70E740481C1C}">
+                <a14:useLocalDpi xmlns:a14="http://schemas.microsoft.com/office/drawing/2010/main" val="0"/>
+              </a:ext>
+            </a:extLst>
+          </a:blip>
+          <a:stretch>
+            <a:fillRect/>
+          </a:stretch>
+        </p:blipFill>
+        <p:spPr>
+          <a:xfrm>
+            <a:off x="7586085" y="2397456"/>
+            <a:ext cx="2910189" cy="2010830"/>
+          </a:xfrm>
+          <a:prstGeom prst="rect">
+            <a:avLst/>
+          </a:prstGeom>
+        </p:spPr>
+      </p:pic>
     </p:spTree>
     <p:extLst>
       <p:ext uri="{BB962C8B-B14F-4D97-AF65-F5344CB8AC3E}">
@@ -5566,18 +3572,15 @@
               </a:lnSpc>
             </a:pPr>
             <a:r>
-              <a:rPr lang="es-ES" sz="8800" b="0" strike="noStrike" spc="-1">
+              <a:rPr lang="es-ES" sz="8800" b="0" strike="noStrike" spc="-1" dirty="0" smtClean="0">
                 <a:solidFill>
                   <a:srgbClr val="E8E8E8"/>
                 </a:solidFill>
                 <a:latin typeface="Calibri"/>
                 <a:ea typeface="Calibri"/>
               </a:rPr>
-              <a:t>Screen</a:t>
-            </a:r>
-            <a:endParaRPr lang="es-ES" sz="8800" b="0" strike="noStrike" spc="-1">
-              <a:latin typeface="Arial"/>
-            </a:endParaRPr>
+              <a:t>Security</a:t>
+            </a:r>
           </a:p>
           <a:p>
             <a:pPr algn="ctr">
@@ -5586,16 +3589,15 @@
               </a:lnSpc>
             </a:pPr>
             <a:r>
-              <a:rPr lang="es-ES" sz="8800" b="0" strike="noStrike" spc="-1">
+              <a:rPr lang="es-ES" sz="8800" spc="-1" dirty="0" smtClean="0">
                 <a:solidFill>
                   <a:srgbClr val="E8E8E8"/>
                 </a:solidFill>
                 <a:latin typeface="Calibri"/>
-                <a:ea typeface="Calibri"/>
               </a:rPr>
-              <a:t>Map</a:t>
-            </a:r>
-            <a:endParaRPr lang="es-ES" sz="8800" b="0" strike="noStrike" spc="-1">
+              <a:t>File</a:t>
+            </a:r>
+            <a:endParaRPr lang="es-ES" sz="8800" b="0" strike="noStrike" spc="-1" dirty="0">
               <a:latin typeface="Arial"/>
             </a:endParaRPr>
           </a:p>
@@ -5603,25 +3605,32 @@
       </p:sp>
       <p:pic>
         <p:nvPicPr>
-          <p:cNvPr id="3" name="Imagen 2"/>
-          <p:cNvPicPr/>
+          <p:cNvPr id="4" name="Imagen 3"/>
+          <p:cNvPicPr>
+            <a:picLocks noChangeAspect="1"/>
+          </p:cNvPicPr>
           <p:nvPr/>
         </p:nvPicPr>
         <p:blipFill>
-          <a:blip r:embed="rId2"/>
-          <a:stretch/>
+          <a:blip r:embed="rId2">
+            <a:extLst>
+              <a:ext uri="{28A0092B-C50C-407E-A947-70E740481C1C}">
+                <a14:useLocalDpi xmlns:a14="http://schemas.microsoft.com/office/drawing/2010/main" val="0"/>
+              </a:ext>
+            </a:extLst>
+          </a:blip>
+          <a:stretch>
+            <a:fillRect/>
+          </a:stretch>
         </p:blipFill>
         <p:spPr>
           <a:xfrm>
-            <a:off x="6288064" y="729411"/>
-            <a:ext cx="5798880" cy="5853330"/>
+            <a:off x="6942136" y="1462521"/>
+            <a:ext cx="4292821" cy="4000706"/>
           </a:xfrm>
           <a:prstGeom prst="rect">
             <a:avLst/>
           </a:prstGeom>
-          <a:ln>
-            <a:noFill/>
-          </a:ln>
         </p:spPr>
       </p:pic>
     </p:spTree>
@@ -5728,17 +3737,21 @@
               </a:lnSpc>
             </a:pPr>
             <a:r>
-              <a:rPr lang="es-ES" sz="8800" b="0" strike="noStrike" spc="-1" dirty="0">
+              <a:rPr lang="es-ES" sz="8800" b="0" strike="noStrike" spc="-1" dirty="0" err="1" smtClean="0">
                 <a:solidFill>
                   <a:srgbClr val="E8E8E8"/>
                 </a:solidFill>
                 <a:latin typeface="Calibri"/>
                 <a:ea typeface="Calibri"/>
               </a:rPr>
-              <a:t>E-R </a:t>
-            </a:r>
-            <a:endParaRPr lang="es-ES" sz="8800" b="0" strike="noStrike" spc="-1" dirty="0">
-              <a:latin typeface="Arial"/>
+              <a:t>Public</a:t>
+            </a:r>
+            <a:endParaRPr lang="es-ES" sz="8800" spc="-1" dirty="0">
+              <a:solidFill>
+                <a:srgbClr val="E8E8E8"/>
+              </a:solidFill>
+              <a:latin typeface="Calibri"/>
+              <a:ea typeface="Calibri"/>
             </a:endParaRPr>
           </a:p>
           <a:p>
@@ -5748,14 +3761,13 @@
               </a:lnSpc>
             </a:pPr>
             <a:r>
-              <a:rPr lang="es-ES" sz="8800" b="0" strike="noStrike" spc="-1" dirty="0" err="1">
+              <a:rPr lang="es-ES" sz="8800" b="0" strike="noStrike" spc="-1" dirty="0" smtClean="0">
                 <a:solidFill>
                   <a:srgbClr val="E8E8E8"/>
                 </a:solidFill>
                 <a:latin typeface="Calibri"/>
-                <a:ea typeface="Calibri"/>
               </a:rPr>
-              <a:t>Scheme</a:t>
+              <a:t>Folder</a:t>
             </a:r>
             <a:endParaRPr lang="es-ES" sz="8800" b="0" strike="noStrike" spc="-1" dirty="0">
               <a:latin typeface="Arial"/>
@@ -5765,25 +3777,32 @@
       </p:sp>
       <p:pic>
         <p:nvPicPr>
-          <p:cNvPr id="3" name="Google Shape;104;p16"/>
-          <p:cNvPicPr/>
+          <p:cNvPr id="7" name="Imagen 6"/>
+          <p:cNvPicPr>
+            <a:picLocks noChangeAspect="1"/>
+          </p:cNvPicPr>
           <p:nvPr/>
         </p:nvPicPr>
         <p:blipFill>
-          <a:blip r:embed="rId2"/>
-          <a:stretch/>
+          <a:blip r:embed="rId2">
+            <a:extLst>
+              <a:ext uri="{28A0092B-C50C-407E-A947-70E740481C1C}">
+                <a14:useLocalDpi xmlns:a14="http://schemas.microsoft.com/office/drawing/2010/main" val="0"/>
+              </a:ext>
+            </a:extLst>
+          </a:blip>
+          <a:stretch>
+            <a:fillRect/>
+          </a:stretch>
         </p:blipFill>
         <p:spPr>
           <a:xfrm>
-            <a:off x="6231470" y="1210235"/>
-            <a:ext cx="5864257" cy="5202367"/>
+            <a:off x="7587289" y="2379686"/>
+            <a:ext cx="3104705" cy="1533467"/>
           </a:xfrm>
           <a:prstGeom prst="rect">
             <a:avLst/>
           </a:prstGeom>
-          <a:ln>
-            <a:noFill/>
-          </a:ln>
         </p:spPr>
       </p:pic>
     </p:spTree>
@@ -5855,7 +3874,7 @@
         </p:nvSpPr>
         <p:spPr>
           <a:xfrm>
-            <a:off x="233365" y="427129"/>
+            <a:off x="233365" y="2335789"/>
             <a:ext cx="5646960" cy="1445760"/>
           </a:xfrm>
           <a:prstGeom prst="rect">
@@ -5890,17 +3909,17 @@
               </a:lnSpc>
             </a:pPr>
             <a:r>
-              <a:rPr lang="es-ES" sz="6000" b="0" strike="noStrike" spc="-1" dirty="0" err="1">
+              <a:rPr lang="es-ES" sz="6000" b="0" strike="noStrike" spc="-1" dirty="0" err="1" smtClean="0">
                 <a:solidFill>
                   <a:srgbClr val="E8E8E8"/>
                 </a:solidFill>
                 <a:latin typeface="Calibri"/>
                 <a:ea typeface="Calibri"/>
               </a:rPr>
-              <a:t>Logical</a:t>
-            </a:r>
-            <a:r>
-              <a:rPr lang="es-ES" sz="6000" b="0" strike="noStrike" spc="-1" dirty="0">
+              <a:t>Main</a:t>
+            </a:r>
+            <a:r>
+              <a:rPr lang="es-ES" sz="6000" b="0" strike="noStrike" spc="-1" dirty="0" smtClean="0">
                 <a:solidFill>
                   <a:srgbClr val="E8E8E8"/>
                 </a:solidFill>
@@ -5909,45 +3928,22 @@
               </a:rPr>
               <a:t> </a:t>
             </a:r>
-            <a:r>
-              <a:rPr lang="es-ES" sz="6000" b="0" strike="noStrike" spc="-1" dirty="0" err="1">
+          </a:p>
+          <a:p>
+            <a:pPr algn="ctr">
+              <a:lnSpc>
+                <a:spcPct val="100000"/>
+              </a:lnSpc>
+            </a:pPr>
+            <a:r>
+              <a:rPr lang="es-ES" sz="6000" b="0" strike="noStrike" spc="-1" dirty="0" err="1" smtClean="0">
                 <a:solidFill>
                   <a:srgbClr val="E8E8E8"/>
                 </a:solidFill>
                 <a:latin typeface="Calibri"/>
                 <a:ea typeface="Calibri"/>
               </a:rPr>
-              <a:t>Model</a:t>
-            </a:r>
-            <a:r>
-              <a:rPr lang="es-ES" sz="6000" b="0" strike="noStrike" spc="-1" dirty="0">
-                <a:solidFill>
-                  <a:srgbClr val="E8E8E8"/>
-                </a:solidFill>
-                <a:latin typeface="Calibri"/>
-                <a:ea typeface="Calibri"/>
-              </a:rPr>
-              <a:t> of </a:t>
-            </a:r>
-            <a:r>
-              <a:rPr lang="es-ES" sz="6000" b="0" strike="noStrike" spc="-1" dirty="0" err="1">
-                <a:solidFill>
-                  <a:srgbClr val="E8E8E8"/>
-                </a:solidFill>
-                <a:latin typeface="Calibri"/>
-                <a:ea typeface="Calibri"/>
-              </a:rPr>
-              <a:t>the</a:t>
-            </a:r>
-            <a:r>
-              <a:rPr lang="es-ES" sz="6000" b="0" strike="noStrike" spc="-1" dirty="0">
-                <a:solidFill>
-                  <a:srgbClr val="E8E8E8"/>
-                </a:solidFill>
-                <a:latin typeface="Calibri"/>
-                <a:ea typeface="Calibri"/>
-              </a:rPr>
-              <a:t> Database</a:t>
+              <a:t>Controler</a:t>
             </a:r>
             <a:endParaRPr lang="es-ES" sz="6000" b="0" strike="noStrike" spc="-1" dirty="0">
               <a:latin typeface="Arial"/>
@@ -5957,25 +3953,62 @@
       </p:sp>
       <p:pic>
         <p:nvPicPr>
-          <p:cNvPr id="3" name="Google Shape;110;p17"/>
-          <p:cNvPicPr/>
+          <p:cNvPr id="4" name="Imagen 3"/>
+          <p:cNvPicPr>
+            <a:picLocks noChangeAspect="1"/>
+          </p:cNvPicPr>
           <p:nvPr/>
         </p:nvPicPr>
         <p:blipFill>
-          <a:blip r:embed="rId2"/>
-          <a:stretch/>
+          <a:blip r:embed="rId2">
+            <a:extLst>
+              <a:ext uri="{28A0092B-C50C-407E-A947-70E740481C1C}">
+                <a14:useLocalDpi xmlns:a14="http://schemas.microsoft.com/office/drawing/2010/main" val="0"/>
+              </a:ext>
+            </a:extLst>
+          </a:blip>
+          <a:stretch>
+            <a:fillRect/>
+          </a:stretch>
         </p:blipFill>
         <p:spPr>
           <a:xfrm>
-            <a:off x="1721520" y="3119760"/>
-            <a:ext cx="8748000" cy="3325320"/>
+            <a:off x="6331225" y="1245250"/>
+            <a:ext cx="2034137" cy="895434"/>
           </a:xfrm>
           <a:prstGeom prst="rect">
             <a:avLst/>
           </a:prstGeom>
-          <a:ln>
-            <a:noFill/>
-          </a:ln>
+        </p:spPr>
+      </p:pic>
+      <p:pic>
+        <p:nvPicPr>
+          <p:cNvPr id="5" name="Imagen 4"/>
+          <p:cNvPicPr>
+            <a:picLocks noChangeAspect="1"/>
+          </p:cNvPicPr>
+          <p:nvPr/>
+        </p:nvPicPr>
+        <p:blipFill>
+          <a:blip r:embed="rId3">
+            <a:extLst>
+              <a:ext uri="{28A0092B-C50C-407E-A947-70E740481C1C}">
+                <a14:useLocalDpi xmlns:a14="http://schemas.microsoft.com/office/drawing/2010/main" val="0"/>
+              </a:ext>
+            </a:extLst>
+          </a:blip>
+          <a:stretch>
+            <a:fillRect/>
+          </a:stretch>
+        </p:blipFill>
+        <p:spPr>
+          <a:xfrm>
+            <a:off x="6331225" y="2335789"/>
+            <a:ext cx="5443027" cy="3658347"/>
+          </a:xfrm>
+          <a:prstGeom prst="rect">
+            <a:avLst/>
+          </a:prstGeom>
         </p:spPr>
       </p:pic>
     </p:spTree>
@@ -6047,7 +4080,7 @@
         </p:nvSpPr>
         <p:spPr>
           <a:xfrm>
-            <a:off x="51480" y="428400"/>
+            <a:off x="51480" y="2564662"/>
             <a:ext cx="6090840" cy="1445760"/>
           </a:xfrm>
           <a:prstGeom prst="rect">
@@ -6082,82 +4115,49 @@
               </a:lnSpc>
             </a:pPr>
             <a:r>
-              <a:rPr lang="es-ES" sz="6000" b="0" strike="noStrike" spc="-1" dirty="0">
+              <a:rPr lang="es-ES" sz="6000" b="0" strike="noStrike" spc="-1" dirty="0" err="1" smtClean="0">
                 <a:solidFill>
                   <a:srgbClr val="E8E8E8"/>
                 </a:solidFill>
                 <a:latin typeface="Calibri"/>
                 <a:ea typeface="Calibri"/>
               </a:rPr>
-              <a:t>Data </a:t>
-            </a:r>
-            <a:r>
-              <a:rPr lang="es-ES" sz="6000" b="0" strike="noStrike" spc="-1" dirty="0" err="1">
-                <a:solidFill>
-                  <a:srgbClr val="E8E8E8"/>
-                </a:solidFill>
-                <a:latin typeface="Calibri"/>
-                <a:ea typeface="Calibri"/>
-              </a:rPr>
-              <a:t>into</a:t>
+              <a:t>Index.html.twig</a:t>
             </a:r>
             <a:endParaRPr lang="es-ES" sz="6000" b="0" strike="noStrike" spc="-1" dirty="0">
               <a:latin typeface="Arial"/>
             </a:endParaRPr>
           </a:p>
-          <a:p>
-            <a:pPr algn="ctr">
-              <a:lnSpc>
-                <a:spcPct val="100000"/>
-              </a:lnSpc>
-            </a:pPr>
-            <a:r>
-              <a:rPr lang="es-ES" sz="6000" b="0" strike="noStrike" spc="-1" dirty="0">
-                <a:solidFill>
-                  <a:srgbClr val="E8E8E8"/>
-                </a:solidFill>
-                <a:latin typeface="Calibri"/>
-                <a:ea typeface="Calibri"/>
-              </a:rPr>
-              <a:t>The </a:t>
-            </a:r>
-            <a:r>
-              <a:rPr lang="es-ES" sz="6000" b="0" strike="noStrike" spc="-1" dirty="0" err="1">
-                <a:solidFill>
-                  <a:srgbClr val="E8E8E8"/>
-                </a:solidFill>
-                <a:latin typeface="Calibri"/>
-                <a:ea typeface="Calibri"/>
-              </a:rPr>
-              <a:t>database</a:t>
-            </a:r>
-            <a:endParaRPr lang="es-ES" sz="6000" b="0" strike="noStrike" spc="-1" dirty="0">
-              <a:latin typeface="Arial"/>
-            </a:endParaRPr>
-          </a:p>
         </p:txBody>
       </p:sp>
       <p:pic>
         <p:nvPicPr>
-          <p:cNvPr id="3" name="Google Shape;116;p18"/>
-          <p:cNvPicPr/>
+          <p:cNvPr id="4" name="Imagen 3"/>
+          <p:cNvPicPr>
+            <a:picLocks noChangeAspect="1"/>
+          </p:cNvPicPr>
           <p:nvPr/>
         </p:nvPicPr>
         <p:blipFill>
-          <a:blip r:embed="rId2"/>
-          <a:stretch/>
+          <a:blip r:embed="rId2">
+            <a:extLst>
+              <a:ext uri="{28A0092B-C50C-407E-A947-70E740481C1C}">
+                <a14:useLocalDpi xmlns:a14="http://schemas.microsoft.com/office/drawing/2010/main" val="0"/>
+              </a:ext>
+            </a:extLst>
+          </a:blip>
+          <a:stretch>
+            <a:fillRect/>
+          </a:stretch>
         </p:blipFill>
         <p:spPr>
           <a:xfrm>
-            <a:off x="152280" y="2913480"/>
-            <a:ext cx="11886480" cy="3090960"/>
+            <a:off x="6176878" y="1916646"/>
+            <a:ext cx="5907497" cy="3102417"/>
           </a:xfrm>
           <a:prstGeom prst="rect">
             <a:avLst/>
           </a:prstGeom>
-          <a:ln>
-            <a:noFill/>
-          </a:ln>
         </p:spPr>
       </p:pic>
     </p:spTree>
@@ -6229,8 +4229,8 @@
         </p:nvSpPr>
         <p:spPr>
           <a:xfrm>
-            <a:off x="51480" y="428400"/>
-            <a:ext cx="6090840" cy="1445760"/>
+            <a:off x="0" y="2303280"/>
+            <a:ext cx="6090840" cy="1322640"/>
           </a:xfrm>
           <a:prstGeom prst="rect">
             <a:avLst/>
@@ -6264,135 +4264,31 @@
               </a:lnSpc>
             </a:pPr>
             <a:r>
-              <a:rPr lang="es-ES" sz="6000" b="0" strike="noStrike" spc="-1" dirty="0" err="1">
+              <a:rPr lang="es-ES" sz="8000" b="0" strike="noStrike" spc="-1" dirty="0">
                 <a:solidFill>
                   <a:srgbClr val="E8E8E8"/>
                 </a:solidFill>
                 <a:latin typeface="Calibri"/>
                 <a:ea typeface="Calibri"/>
               </a:rPr>
-              <a:t>Room</a:t>
-            </a:r>
-            <a:r>
-              <a:rPr lang="es-ES" sz="6000" b="0" strike="noStrike" spc="-1" dirty="0">
-                <a:solidFill>
-                  <a:srgbClr val="E8E8E8"/>
-                </a:solidFill>
-                <a:latin typeface="Calibri"/>
-                <a:ea typeface="Calibri"/>
-              </a:rPr>
-              <a:t> </a:t>
-            </a:r>
-            <a:r>
-              <a:rPr lang="es-ES" sz="6000" b="0" strike="noStrike" spc="-1" dirty="0" err="1">
-                <a:solidFill>
-                  <a:srgbClr val="E8E8E8"/>
-                </a:solidFill>
-                <a:latin typeface="Calibri"/>
-                <a:ea typeface="Calibri"/>
-              </a:rPr>
-              <a:t>Table</a:t>
-            </a:r>
-            <a:endParaRPr lang="es-ES" sz="6000" b="0" strike="noStrike" spc="-1" dirty="0">
+              <a:t>DEMO</a:t>
+            </a:r>
+            <a:endParaRPr lang="es-ES" sz="8000" b="0" strike="noStrike" spc="-1" dirty="0">
               <a:latin typeface="Arial"/>
             </a:endParaRPr>
           </a:p>
         </p:txBody>
       </p:sp>
-      <p:pic>
-        <p:nvPicPr>
-          <p:cNvPr id="3" name="Google Shape;128;p20"/>
-          <p:cNvPicPr/>
+      <p:sp>
+        <p:nvSpPr>
+          <p:cNvPr id="3" name="CustomShape 2"/>
+          <p:cNvSpPr/>
           <p:nvPr/>
-        </p:nvPicPr>
-        <p:blipFill>
-          <a:blip r:embed="rId2"/>
-          <a:stretch/>
-        </p:blipFill>
+        </p:nvSpPr>
         <p:spPr>
           <a:xfrm>
-            <a:off x="2680249" y="2976283"/>
-            <a:ext cx="6743731" cy="2776376"/>
-          </a:xfrm>
-          <a:prstGeom prst="rect">
-            <a:avLst/>
-          </a:prstGeom>
-          <a:ln>
-            <a:noFill/>
-          </a:ln>
-        </p:spPr>
-      </p:pic>
-    </p:spTree>
-    <p:extLst>
-      <p:ext uri="{BB962C8B-B14F-4D97-AF65-F5344CB8AC3E}">
-        <p14:creationId xmlns:p14="http://schemas.microsoft.com/office/powerpoint/2010/main" val="4141222833"/>
-      </p:ext>
-    </p:extLst>
-  </p:cSld>
-  <p:clrMapOvr>
-    <a:masterClrMapping/>
-  </p:clrMapOvr>
-  <p:timing>
-    <p:tnLst>
-      <p:par>
-        <p:cTn id="1" dur="indefinite" restart="never" nodeType="tmRoot"/>
-      </p:par>
-    </p:tnLst>
-  </p:timing>
-</p:sld>
-</file>
-
-<file path=ppt/slides/slide8.xml><?xml version="1.0" encoding="utf-8"?>
-<p:sld xmlns:a="http://schemas.openxmlformats.org/drawingml/2006/main" xmlns:r="http://schemas.openxmlformats.org/officeDocument/2006/relationships" xmlns:p="http://schemas.openxmlformats.org/presentationml/2006/main">
-  <p:cSld>
-    <p:bg>
-      <p:bgPr>
-        <a:gradFill flip="none" rotWithShape="1">
-          <a:gsLst>
-            <a:gs pos="0">
-              <a:schemeClr val="tx2">
-                <a:lumMod val="75000"/>
-              </a:schemeClr>
-            </a:gs>
-            <a:gs pos="50000">
-              <a:schemeClr val="tx2">
-                <a:lumMod val="75000"/>
-              </a:schemeClr>
-            </a:gs>
-            <a:gs pos="50000">
-              <a:srgbClr val="E8E8E8"/>
-            </a:gs>
-          </a:gsLst>
-          <a:lin ang="0" scaled="1"/>
-          <a:tileRect/>
-        </a:gradFill>
-        <a:effectLst/>
-      </p:bgPr>
-    </p:bg>
-    <p:spTree>
-      <p:nvGrpSpPr>
-        <p:cNvPr id="1" name=""/>
-        <p:cNvGrpSpPr/>
-        <p:nvPr/>
-      </p:nvGrpSpPr>
-      <p:grpSpPr>
-        <a:xfrm>
-          <a:off x="0" y="0"/>
-          <a:ext cx="0" cy="0"/>
-          <a:chOff x="0" y="0"/>
-          <a:chExt cx="0" cy="0"/>
-        </a:xfrm>
-      </p:grpSpPr>
-      <p:sp>
-        <p:nvSpPr>
-          <p:cNvPr id="2" name="CustomShape 1"/>
-          <p:cNvSpPr/>
-          <p:nvPr/>
-        </p:nvSpPr>
-        <p:spPr>
-          <a:xfrm>
-            <a:off x="51480" y="428400"/>
-            <a:ext cx="6090840" cy="1445760"/>
+            <a:off x="6091560" y="2303640"/>
+            <a:ext cx="6090840" cy="1322640"/>
           </a:xfrm>
           <a:prstGeom prst="rect">
             <a:avLst/>
@@ -6426,190 +4322,25 @@
               </a:lnSpc>
             </a:pPr>
             <a:r>
-              <a:rPr lang="es-ES" sz="6000" b="0" strike="noStrike" spc="-1">
+              <a:rPr lang="es-ES" sz="8000" b="0" strike="noStrike" spc="-1">
                 <a:solidFill>
-                  <a:srgbClr val="E8E8E8"/>
+                  <a:srgbClr val="000000"/>
                 </a:solidFill>
                 <a:latin typeface="Calibri"/>
                 <a:ea typeface="Calibri"/>
               </a:rPr>
-              <a:t>User_Room Table</a:t>
-            </a:r>
-            <a:endParaRPr lang="es-ES" sz="6000" b="0" strike="noStrike" spc="-1">
+              <a:t>DANIEL</a:t>
+            </a:r>
+            <a:endParaRPr lang="es-ES" sz="8000" b="0" strike="noStrike" spc="-1">
               <a:latin typeface="Arial"/>
             </a:endParaRPr>
           </a:p>
         </p:txBody>
       </p:sp>
-      <p:pic>
-        <p:nvPicPr>
-          <p:cNvPr id="3" name="Google Shape;134;p21"/>
-          <p:cNvPicPr/>
-          <p:nvPr/>
-        </p:nvPicPr>
-        <p:blipFill>
-          <a:blip r:embed="rId2"/>
-          <a:stretch/>
-        </p:blipFill>
-        <p:spPr>
-          <a:xfrm>
-            <a:off x="3456607" y="1667436"/>
-            <a:ext cx="5167440" cy="4939729"/>
-          </a:xfrm>
-          <a:prstGeom prst="rect">
-            <a:avLst/>
-          </a:prstGeom>
-          <a:ln>
-            <a:noFill/>
-          </a:ln>
-        </p:spPr>
-      </p:pic>
     </p:spTree>
     <p:extLst>
       <p:ext uri="{BB962C8B-B14F-4D97-AF65-F5344CB8AC3E}">
-        <p14:creationId xmlns:p14="http://schemas.microsoft.com/office/powerpoint/2010/main" val="3945344988"/>
-      </p:ext>
-    </p:extLst>
-  </p:cSld>
-  <p:clrMapOvr>
-    <a:masterClrMapping/>
-  </p:clrMapOvr>
-  <p:timing>
-    <p:tnLst>
-      <p:par>
-        <p:cTn id="1" dur="indefinite" restart="never" nodeType="tmRoot"/>
-      </p:par>
-    </p:tnLst>
-  </p:timing>
-</p:sld>
-</file>
-
-<file path=ppt/slides/slide9.xml><?xml version="1.0" encoding="utf-8"?>
-<p:sld xmlns:a="http://schemas.openxmlformats.org/drawingml/2006/main" xmlns:r="http://schemas.openxmlformats.org/officeDocument/2006/relationships" xmlns:p="http://schemas.openxmlformats.org/presentationml/2006/main">
-  <p:cSld>
-    <p:bg>
-      <p:bgPr>
-        <a:gradFill flip="none" rotWithShape="1">
-          <a:gsLst>
-            <a:gs pos="0">
-              <a:schemeClr val="tx2">
-                <a:lumMod val="75000"/>
-              </a:schemeClr>
-            </a:gs>
-            <a:gs pos="50000">
-              <a:schemeClr val="tx2">
-                <a:lumMod val="75000"/>
-              </a:schemeClr>
-            </a:gs>
-            <a:gs pos="50000">
-              <a:srgbClr val="E8E8E8"/>
-            </a:gs>
-          </a:gsLst>
-          <a:lin ang="0" scaled="1"/>
-          <a:tileRect/>
-        </a:gradFill>
-        <a:effectLst/>
-      </p:bgPr>
-    </p:bg>
-    <p:spTree>
-      <p:nvGrpSpPr>
-        <p:cNvPr id="1" name=""/>
-        <p:cNvGrpSpPr/>
-        <p:nvPr/>
-      </p:nvGrpSpPr>
-      <p:grpSpPr>
-        <a:xfrm>
-          <a:off x="0" y="0"/>
-          <a:ext cx="0" cy="0"/>
-          <a:chOff x="0" y="0"/>
-          <a:chExt cx="0" cy="0"/>
-        </a:xfrm>
-      </p:grpSpPr>
-      <p:sp>
-        <p:nvSpPr>
-          <p:cNvPr id="2" name="CustomShape 1"/>
-          <p:cNvSpPr/>
-          <p:nvPr/>
-        </p:nvSpPr>
-        <p:spPr>
-          <a:xfrm>
-            <a:off x="51480" y="428400"/>
-            <a:ext cx="6090840" cy="1445760"/>
-          </a:xfrm>
-          <a:prstGeom prst="rect">
-            <a:avLst/>
-          </a:prstGeom>
-          <a:noFill/>
-          <a:ln>
-            <a:noFill/>
-          </a:ln>
-        </p:spPr>
-        <p:style>
-          <a:lnRef idx="0">
-            <a:scrgbClr r="0" g="0" b="0"/>
-          </a:lnRef>
-          <a:fillRef idx="0">
-            <a:scrgbClr r="0" g="0" b="0"/>
-          </a:fillRef>
-          <a:effectRef idx="0">
-            <a:scrgbClr r="0" g="0" b="0"/>
-          </a:effectRef>
-          <a:fontRef idx="minor"/>
-        </p:style>
-        <p:txBody>
-          <a:bodyPr lIns="90000" tIns="45000" rIns="90000" bIns="45000">
-            <a:noAutofit/>
-          </a:bodyPr>
-          <a:lstStyle/>
-          <a:p>
-            <a:pPr algn="ctr">
-              <a:lnSpc>
-                <a:spcPct val="100000"/>
-              </a:lnSpc>
-            </a:pPr>
-            <a:r>
-              <a:rPr lang="es-ES" sz="6000" b="0" strike="noStrike" spc="-1">
-                <a:solidFill>
-                  <a:srgbClr val="E8E8E8"/>
-                </a:solidFill>
-                <a:latin typeface="Calibri"/>
-                <a:ea typeface="Calibri"/>
-              </a:rPr>
-              <a:t>Friend Table</a:t>
-            </a:r>
-            <a:endParaRPr lang="es-ES" sz="6000" b="0" strike="noStrike" spc="-1">
-              <a:latin typeface="Arial"/>
-            </a:endParaRPr>
-          </a:p>
-        </p:txBody>
-      </p:sp>
-      <p:pic>
-        <p:nvPicPr>
-          <p:cNvPr id="3" name="Google Shape;140;p22"/>
-          <p:cNvPicPr/>
-          <p:nvPr/>
-        </p:nvPicPr>
-        <p:blipFill>
-          <a:blip r:embed="rId2"/>
-          <a:stretch/>
-        </p:blipFill>
-        <p:spPr>
-          <a:xfrm>
-            <a:off x="2392744" y="2698009"/>
-            <a:ext cx="6748692" cy="2922861"/>
-          </a:xfrm>
-          <a:prstGeom prst="rect">
-            <a:avLst/>
-          </a:prstGeom>
-          <a:ln>
-            <a:noFill/>
-          </a:ln>
-        </p:spPr>
-      </p:pic>
-    </p:spTree>
-    <p:extLst>
-      <p:ext uri="{BB962C8B-B14F-4D97-AF65-F5344CB8AC3E}">
-        <p14:creationId xmlns:p14="http://schemas.microsoft.com/office/powerpoint/2010/main" val="1315997528"/>
+        <p14:creationId xmlns:p14="http://schemas.microsoft.com/office/powerpoint/2010/main" val="366298873"/>
       </p:ext>
     </p:extLst>
   </p:cSld>
